--- a/$ave$afe.pptx
+++ b/$ave$afe.pptx
@@ -10,12 +10,13 @@
     <p:sldId id="260" r:id="rId4"/>
     <p:sldId id="262" r:id="rId5"/>
     <p:sldId id="259" r:id="rId6"/>
-    <p:sldId id="261" r:id="rId7"/>
-    <p:sldId id="263" r:id="rId8"/>
-    <p:sldId id="264" r:id="rId9"/>
-    <p:sldId id="267" r:id="rId10"/>
-    <p:sldId id="266" r:id="rId11"/>
-    <p:sldId id="265" r:id="rId12"/>
+    <p:sldId id="268" r:id="rId7"/>
+    <p:sldId id="261" r:id="rId8"/>
+    <p:sldId id="263" r:id="rId9"/>
+    <p:sldId id="264" r:id="rId10"/>
+    <p:sldId id="267" r:id="rId11"/>
+    <p:sldId id="266" r:id="rId12"/>
+    <p:sldId id="265" r:id="rId13"/>
   </p:sldIdLst>
   <p:sldSz cx="12192000" cy="6858000"/>
   <p:notesSz cx="6858000" cy="9144000"/>
@@ -114,11 +115,20 @@
       </a:defRPr>
     </a:lvl9pPr>
   </p:defaultTextStyle>
+  <p:extLst>
+    <p:ext uri="{EFAFB233-063F-42B5-8137-9DF3F51BA10A}">
+      <p15:sldGuideLst xmlns:p15="http://schemas.microsoft.com/office/powerpoint/2012/main"/>
+    </p:ext>
+  </p:extLst>
 </p:presentation>
 </file>
 
+<file path=ppt/revisionInfo.xml><?xml version="1.0" encoding="utf-8"?>
+<p1510:revInfo xmlns:a="http://schemas.openxmlformats.org/drawingml/2006/main" xmlns:r="http://schemas.openxmlformats.org/officeDocument/2006/relationships" xmlns:p1510="http://schemas.microsoft.com/office/powerpoint/2015/10/main"/>
+</file>
+
 <file path=ppt/charts/chart1.xml><?xml version="1.0" encoding="utf-8"?>
-<c:chartSpace xmlns:c="http://schemas.openxmlformats.org/drawingml/2006/chart" xmlns:a="http://schemas.openxmlformats.org/drawingml/2006/main" xmlns:r="http://schemas.openxmlformats.org/officeDocument/2006/relationships">
+<c:chartSpace xmlns:c="http://schemas.openxmlformats.org/drawingml/2006/chart" xmlns:a="http://schemas.openxmlformats.org/drawingml/2006/main" xmlns:r="http://schemas.openxmlformats.org/officeDocument/2006/relationships" xmlns:c16r2="http://schemas.microsoft.com/office/drawing/2015/06/chart">
   <c:date1904 val="0"/>
   <c:lang val="en-US"/>
   <c:roundedCorners val="0"/>
@@ -156,7 +166,6 @@
           </a:p>
         </c:rich>
       </c:tx>
-      <c:layout/>
       <c:overlay val="0"/>
       <c:spPr>
         <a:noFill/>
@@ -534,6 +543,11 @@
             </c:numRef>
           </c:val>
           <c:smooth val="0"/>
+          <c:extLst>
+            <c:ext xmlns:c16="http://schemas.microsoft.com/office/drawing/2014/chart" uri="{C3380CC4-5D6E-409C-BE32-E72D297353CC}">
+              <c16:uniqueId val="{00000000-9621-431E-9215-02E2B2FBDBED}"/>
+            </c:ext>
+          </c:extLst>
         </c:ser>
         <c:ser>
           <c:idx val="1"/>
@@ -868,6 +882,11 @@
             </c:numRef>
           </c:val>
           <c:smooth val="0"/>
+          <c:extLst>
+            <c:ext xmlns:c16="http://schemas.microsoft.com/office/drawing/2014/chart" uri="{C3380CC4-5D6E-409C-BE32-E72D297353CC}">
+              <c16:uniqueId val="{00000001-9621-431E-9215-02E2B2FBDBED}"/>
+            </c:ext>
+          </c:extLst>
         </c:ser>
         <c:ser>
           <c:idx val="2"/>
@@ -1202,6 +1221,11 @@
             </c:numRef>
           </c:val>
           <c:smooth val="0"/>
+          <c:extLst>
+            <c:ext xmlns:c16="http://schemas.microsoft.com/office/drawing/2014/chart" uri="{C3380CC4-5D6E-409C-BE32-E72D297353CC}">
+              <c16:uniqueId val="{00000002-9621-431E-9215-02E2B2FBDBED}"/>
+            </c:ext>
+          </c:extLst>
         </c:ser>
         <c:ser>
           <c:idx val="3"/>
@@ -1536,6 +1560,11 @@
             </c:numRef>
           </c:val>
           <c:smooth val="0"/>
+          <c:extLst>
+            <c:ext xmlns:c16="http://schemas.microsoft.com/office/drawing/2014/chart" uri="{C3380CC4-5D6E-409C-BE32-E72D297353CC}">
+              <c16:uniqueId val="{00000003-9621-431E-9215-02E2B2FBDBED}"/>
+            </c:ext>
+          </c:extLst>
         </c:ser>
         <c:dLbls>
           <c:showLegendKey val="0"/>
@@ -1668,7 +1697,6 @@
     </c:plotArea>
     <c:legend>
       <c:legendPos val="t"/>
-      <c:layout/>
       <c:overlay val="0"/>
       <c:spPr>
         <a:noFill/>
@@ -3093,10 +3121,9 @@
         <a:lstStyle/>
         <a:p>
           <a:r>
-            <a:rPr lang="en-AU" dirty="0" smtClean="0"/>
+            <a:rPr lang="en-AU" dirty="0"/>
             <a:t>S</a:t>
           </a:r>
-          <a:endParaRPr lang="en-AU" dirty="0"/>
         </a:p>
       </dgm:t>
     </dgm:pt>
@@ -3132,18 +3159,17 @@
         <a:lstStyle/>
         <a:p>
           <a:r>
-            <a:rPr lang="en-AU" dirty="0" smtClean="0"/>
+            <a:rPr lang="en-AU" dirty="0"/>
             <a:t>3</a:t>
           </a:r>
           <a:r>
-            <a:rPr lang="en-AU" baseline="30000" dirty="0" smtClean="0"/>
+            <a:rPr lang="en-AU" baseline="30000" dirty="0"/>
             <a:t>rd</a:t>
           </a:r>
           <a:r>
-            <a:rPr lang="en-AU" dirty="0" smtClean="0"/>
+            <a:rPr lang="en-AU" dirty="0"/>
             <a:t> party records</a:t>
           </a:r>
-          <a:endParaRPr lang="en-AU" dirty="0"/>
         </a:p>
       </dgm:t>
     </dgm:pt>
@@ -3177,10 +3203,9 @@
         <a:lstStyle/>
         <a:p>
           <a:r>
-            <a:rPr lang="en-AU" dirty="0" smtClean="0"/>
+            <a:rPr lang="en-AU" dirty="0"/>
             <a:t>W</a:t>
           </a:r>
-          <a:endParaRPr lang="en-AU" dirty="0"/>
         </a:p>
       </dgm:t>
     </dgm:pt>
@@ -3216,10 +3241,9 @@
         <a:lstStyle/>
         <a:p>
           <a:r>
-            <a:rPr lang="en-AU" sz="2000" dirty="0" smtClean="0"/>
+            <a:rPr lang="en-AU" sz="2000" dirty="0"/>
             <a:t>Technology developments (APIs, algorithms to calculate Average Increment Savings)</a:t>
           </a:r>
-          <a:endParaRPr lang="en-AU" sz="2000" dirty="0"/>
         </a:p>
       </dgm:t>
     </dgm:pt>
@@ -3253,10 +3277,9 @@
         <a:lstStyle/>
         <a:p>
           <a:r>
-            <a:rPr lang="en-AU" dirty="0" smtClean="0"/>
+            <a:rPr lang="en-AU" dirty="0"/>
             <a:t>O</a:t>
           </a:r>
-          <a:endParaRPr lang="en-AU" dirty="0"/>
         </a:p>
       </dgm:t>
     </dgm:pt>
@@ -3290,10 +3313,9 @@
         <a:lstStyle/>
         <a:p>
           <a:r>
-            <a:rPr lang="en-AU" dirty="0" smtClean="0"/>
+            <a:rPr lang="en-AU" dirty="0"/>
             <a:t>T</a:t>
           </a:r>
-          <a:endParaRPr lang="en-AU" dirty="0"/>
         </a:p>
       </dgm:t>
     </dgm:pt>
@@ -3329,10 +3351,9 @@
         <a:lstStyle/>
         <a:p>
           <a:r>
-            <a:rPr lang="en-AU" sz="2000" dirty="0" smtClean="0"/>
+            <a:rPr lang="en-AU" sz="2000" dirty="0"/>
             <a:t>Bank can develop same solutions</a:t>
           </a:r>
-          <a:endParaRPr lang="en-AU" sz="2000" dirty="0"/>
         </a:p>
       </dgm:t>
     </dgm:pt>
@@ -3368,10 +3389,9 @@
         <a:lstStyle/>
         <a:p>
           <a:r>
-            <a:rPr lang="en-AU" dirty="0" smtClean="0"/>
+            <a:rPr lang="en-AU" dirty="0"/>
             <a:t>Target women</a:t>
           </a:r>
-          <a:endParaRPr lang="en-AU" dirty="0"/>
         </a:p>
       </dgm:t>
     </dgm:pt>
@@ -3407,10 +3427,9 @@
         <a:lstStyle/>
         <a:p>
           <a:r>
-            <a:rPr lang="en-AU" sz="2000" dirty="0" smtClean="0"/>
+            <a:rPr lang="en-AU" sz="2000" dirty="0"/>
             <a:t>Heavily regulated financial  sectors with high confidentiality </a:t>
           </a:r>
-          <a:endParaRPr lang="en-AU" sz="2000" dirty="0"/>
         </a:p>
       </dgm:t>
     </dgm:pt>
@@ -3446,10 +3465,9 @@
         <a:lstStyle/>
         <a:p>
           <a:r>
-            <a:rPr lang="en-AU" dirty="0" smtClean="0"/>
+            <a:rPr lang="en-AU" dirty="0"/>
             <a:t>Technological pioneers for banking sectors on community supports</a:t>
           </a:r>
-          <a:endParaRPr lang="en-AU" dirty="0"/>
         </a:p>
       </dgm:t>
     </dgm:pt>
@@ -3485,10 +3503,9 @@
         <a:lstStyle/>
         <a:p>
           <a:r>
-            <a:rPr lang="en-AU" sz="2000" dirty="0" smtClean="0"/>
+            <a:rPr lang="en-AU" sz="2000" dirty="0"/>
             <a:t>Family’s objections to women’s role</a:t>
           </a:r>
-          <a:endParaRPr lang="en-AU" sz="2000" dirty="0"/>
         </a:p>
       </dgm:t>
     </dgm:pt>
@@ -3524,10 +3541,9 @@
         <a:lstStyle/>
         <a:p>
           <a:r>
-            <a:rPr lang="en-AU" sz="2000" dirty="0" smtClean="0"/>
+            <a:rPr lang="en-AU" sz="2000" dirty="0"/>
             <a:t>Competitors from microfinance and other NGOs</a:t>
           </a:r>
-          <a:endParaRPr lang="en-AU" sz="2000" dirty="0"/>
         </a:p>
       </dgm:t>
     </dgm:pt>
@@ -3563,10 +3579,9 @@
         <a:lstStyle/>
         <a:p>
           <a:r>
-            <a:rPr lang="en-AU" sz="1800" dirty="0" smtClean="0"/>
+            <a:rPr lang="en-AU" sz="1800" dirty="0"/>
             <a:t>Can partnership with microfinance sectors for further entrepreneurship program </a:t>
           </a:r>
-          <a:endParaRPr lang="en-AU" sz="1800" dirty="0"/>
         </a:p>
       </dgm:t>
     </dgm:pt>
@@ -3602,10 +3617,9 @@
         <a:lstStyle/>
         <a:p>
           <a:r>
-            <a:rPr lang="en-AU" sz="1800" dirty="0" smtClean="0"/>
+            <a:rPr lang="en-AU" sz="1800" dirty="0"/>
             <a:t>Raise awareness of women’s role in family and help her to achieve her financial solution.</a:t>
           </a:r>
-          <a:endParaRPr lang="en-AU" sz="1800" dirty="0"/>
         </a:p>
       </dgm:t>
     </dgm:pt>
@@ -3641,10 +3655,9 @@
         <a:lstStyle/>
         <a:p>
           <a:r>
-            <a:rPr lang="en-AU" sz="1800" dirty="0" smtClean="0"/>
+            <a:rPr lang="en-AU" sz="1800" dirty="0"/>
             <a:t>Partnership with Banks to promote online banking services to wider community</a:t>
           </a:r>
-          <a:endParaRPr lang="en-AU" sz="1800" dirty="0"/>
         </a:p>
       </dgm:t>
     </dgm:pt>
@@ -3762,13 +3775,6 @@
     <dgm:pt modelId="{5A0E3CF9-B6B4-4195-9318-84A3E4768357}" type="pres">
       <dgm:prSet presAssocID="{D6C331BC-5087-4564-BE78-FE742C92EB67}" presName="child1" presStyleLbl="bgAcc1" presStyleIdx="0" presStyleCnt="4" custScaleX="160244" custScaleY="186025" custLinFactNeighborX="-3643" custLinFactNeighborY="28118"/>
       <dgm:spPr/>
-      <dgm:t>
-        <a:bodyPr/>
-        <a:lstStyle/>
-        <a:p>
-          <a:endParaRPr lang="en-AU"/>
-        </a:p>
-      </dgm:t>
     </dgm:pt>
     <dgm:pt modelId="{747239D9-C55A-4937-B919-E20F59C6858D}" type="pres">
       <dgm:prSet presAssocID="{D6C331BC-5087-4564-BE78-FE742C92EB67}" presName="child1Text" presStyleLbl="bgAcc1" presStyleIdx="0" presStyleCnt="4">
@@ -3777,13 +3783,6 @@
         </dgm:presLayoutVars>
       </dgm:prSet>
       <dgm:spPr/>
-      <dgm:t>
-        <a:bodyPr/>
-        <a:lstStyle/>
-        <a:p>
-          <a:endParaRPr lang="en-AU"/>
-        </a:p>
-      </dgm:t>
     </dgm:pt>
     <dgm:pt modelId="{26791FC0-5E97-4CC9-92AF-66E51DC3D938}" type="pres">
       <dgm:prSet presAssocID="{D6C331BC-5087-4564-BE78-FE742C92EB67}" presName="child2group" presStyleCnt="0"/>
@@ -3792,13 +3791,6 @@
     <dgm:pt modelId="{7E9BD5EF-3680-4637-928D-60EF2793395D}" type="pres">
       <dgm:prSet presAssocID="{D6C331BC-5087-4564-BE78-FE742C92EB67}" presName="child2" presStyleLbl="bgAcc1" presStyleIdx="1" presStyleCnt="4" custScaleX="152744" custScaleY="208732" custLinFactNeighborX="-729" custLinFactNeighborY="45552"/>
       <dgm:spPr/>
-      <dgm:t>
-        <a:bodyPr/>
-        <a:lstStyle/>
-        <a:p>
-          <a:endParaRPr lang="en-AU"/>
-        </a:p>
-      </dgm:t>
     </dgm:pt>
     <dgm:pt modelId="{7A19E504-8DBD-4310-9AA9-0231BCF5D0EC}" type="pres">
       <dgm:prSet presAssocID="{D6C331BC-5087-4564-BE78-FE742C92EB67}" presName="child2Text" presStyleLbl="bgAcc1" presStyleIdx="1" presStyleCnt="4">
@@ -3807,13 +3799,6 @@
         </dgm:presLayoutVars>
       </dgm:prSet>
       <dgm:spPr/>
-      <dgm:t>
-        <a:bodyPr/>
-        <a:lstStyle/>
-        <a:p>
-          <a:endParaRPr lang="en-AU"/>
-        </a:p>
-      </dgm:t>
     </dgm:pt>
     <dgm:pt modelId="{A1B12B2E-AD22-4BB2-BF81-34B9405C320C}" type="pres">
       <dgm:prSet presAssocID="{D6C331BC-5087-4564-BE78-FE742C92EB67}" presName="child3group" presStyleCnt="0"/>
@@ -3822,13 +3807,6 @@
     <dgm:pt modelId="{F56A6B43-F21C-4D41-94C0-A26F52E1C10F}" type="pres">
       <dgm:prSet presAssocID="{D6C331BC-5087-4564-BE78-FE742C92EB67}" presName="child3" presStyleLbl="bgAcc1" presStyleIdx="2" presStyleCnt="4" custScaleX="168526" custScaleY="236332" custLinFactNeighborX="11633" custLinFactNeighborY="-6844"/>
       <dgm:spPr/>
-      <dgm:t>
-        <a:bodyPr/>
-        <a:lstStyle/>
-        <a:p>
-          <a:endParaRPr lang="en-AU"/>
-        </a:p>
-      </dgm:t>
     </dgm:pt>
     <dgm:pt modelId="{2D4A5557-F3BE-4D50-B173-87907D1E8EC0}" type="pres">
       <dgm:prSet presAssocID="{D6C331BC-5087-4564-BE78-FE742C92EB67}" presName="child3Text" presStyleLbl="bgAcc1" presStyleIdx="2" presStyleCnt="4">
@@ -3837,13 +3815,6 @@
         </dgm:presLayoutVars>
       </dgm:prSet>
       <dgm:spPr/>
-      <dgm:t>
-        <a:bodyPr/>
-        <a:lstStyle/>
-        <a:p>
-          <a:endParaRPr lang="en-AU"/>
-        </a:p>
-      </dgm:t>
     </dgm:pt>
     <dgm:pt modelId="{7826C63A-4A9B-4A3C-A9E2-27849FCE1C1C}" type="pres">
       <dgm:prSet presAssocID="{D6C331BC-5087-4564-BE78-FE742C92EB67}" presName="child4group" presStyleCnt="0"/>
@@ -3852,13 +3823,6 @@
     <dgm:pt modelId="{015BE47F-0350-4FC2-9D18-70AF36A771DC}" type="pres">
       <dgm:prSet presAssocID="{D6C331BC-5087-4564-BE78-FE742C92EB67}" presName="child4" presStyleLbl="bgAcc1" presStyleIdx="3" presStyleCnt="4" custScaleX="180035" custScaleY="232355"/>
       <dgm:spPr/>
-      <dgm:t>
-        <a:bodyPr/>
-        <a:lstStyle/>
-        <a:p>
-          <a:endParaRPr lang="en-AU"/>
-        </a:p>
-      </dgm:t>
     </dgm:pt>
     <dgm:pt modelId="{8A637E18-FBB7-4CEB-B0D9-154EB97A5176}" type="pres">
       <dgm:prSet presAssocID="{D6C331BC-5087-4564-BE78-FE742C92EB67}" presName="child4Text" presStyleLbl="bgAcc1" presStyleIdx="3" presStyleCnt="4">
@@ -3867,13 +3831,6 @@
         </dgm:presLayoutVars>
       </dgm:prSet>
       <dgm:spPr/>
-      <dgm:t>
-        <a:bodyPr/>
-        <a:lstStyle/>
-        <a:p>
-          <a:endParaRPr lang="en-AU"/>
-        </a:p>
-      </dgm:t>
     </dgm:pt>
     <dgm:pt modelId="{07D6B58E-1E22-4BCB-A79A-316417BC1EC0}" type="pres">
       <dgm:prSet presAssocID="{D6C331BC-5087-4564-BE78-FE742C92EB67}" presName="childPlaceholder" presStyleCnt="0"/>
@@ -3909,13 +3866,6 @@
         </dgm:presLayoutVars>
       </dgm:prSet>
       <dgm:spPr/>
-      <dgm:t>
-        <a:bodyPr/>
-        <a:lstStyle/>
-        <a:p>
-          <a:endParaRPr lang="en-AU"/>
-        </a:p>
-      </dgm:t>
     </dgm:pt>
     <dgm:pt modelId="{8B314BF2-E94A-434B-AB78-F8B7A8495E4C}" type="pres">
       <dgm:prSet presAssocID="{D6C331BC-5087-4564-BE78-FE742C92EB67}" presName="quadrant4" presStyleLbl="node1" presStyleIdx="3" presStyleCnt="4" custScaleX="49873" custScaleY="46461" custLinFactNeighborX="19422" custLinFactNeighborY="-33664">
@@ -3940,54 +3890,54 @@
     </dgm:pt>
   </dgm:ptLst>
   <dgm:cxnLst>
+    <dgm:cxn modelId="{F5A0C20E-BDD0-4438-88EB-FBF09CF8B5CD}" srcId="{ACAA05ED-2678-43E6-A16A-81A5E32DB98B}" destId="{42A6CDE5-2B1B-4817-87D8-386AB269AD62}" srcOrd="0" destOrd="0" parTransId="{6228AB46-5E47-4599-B890-87ED3DEBDDC2}" sibTransId="{1391783C-3C75-4509-BC0B-0442B67A24C8}"/>
+    <dgm:cxn modelId="{B3974216-5673-4A16-AB3B-46B75AD69EAE}" type="presOf" srcId="{65D8DF23-0B36-4944-913C-24856043255E}" destId="{7A19E504-8DBD-4310-9AA9-0231BCF5D0EC}" srcOrd="1" destOrd="2" presId="urn:microsoft.com/office/officeart/2005/8/layout/cycle4"/>
+    <dgm:cxn modelId="{E110EA18-8F4E-4B85-889B-C9F285E66A98}" srcId="{39CABDED-5DA2-4B3F-BC94-6083C5FA8C78}" destId="{1BED8205-E68A-4A69-9C19-5674C335B3D4}" srcOrd="1" destOrd="0" parTransId="{7E48C999-5DCB-4B61-B093-FC75A8717F6F}" sibTransId="{AADC7A4F-2A00-434B-8605-224016E6CCFA}"/>
+    <dgm:cxn modelId="{E22DAF1D-A4FC-45BE-AB61-DBAE88F0E747}" type="presOf" srcId="{CC9C455D-6D0A-4486-80BE-30361417ADC4}" destId="{7E9BD5EF-3680-4637-928D-60EF2793395D}" srcOrd="0" destOrd="1" presId="urn:microsoft.com/office/officeart/2005/8/layout/cycle4"/>
+    <dgm:cxn modelId="{1DD65821-8039-4614-AB35-B1137776DA47}" srcId="{ACAA05ED-2678-43E6-A16A-81A5E32DB98B}" destId="{58DDAD9A-C6CF-4FFB-8C29-32E1B87C0BF2}" srcOrd="2" destOrd="0" parTransId="{42EB1107-85B8-4065-BE5B-D1537DE9EB2A}" sibTransId="{8B68C1CF-DA36-4D97-8C8C-DB4EFA326842}"/>
+    <dgm:cxn modelId="{BDCD3B28-AB49-4F35-9CAB-41643CF8DCE1}" srcId="{D6C331BC-5087-4564-BE78-FE742C92EB67}" destId="{39CABDED-5DA2-4B3F-BC94-6083C5FA8C78}" srcOrd="3" destOrd="0" parTransId="{5BFDFC83-EDC0-46FE-82AC-F21F08B49535}" sibTransId="{C7672495-A378-4DD7-893B-31E3D6469A3A}"/>
+    <dgm:cxn modelId="{13AF7B29-209E-471B-A2E8-7474A06F99B9}" type="presOf" srcId="{EC7447D8-EFF3-492E-93FD-CE2C5E95B5F2}" destId="{9BDC7E16-19F2-4B9F-A2EB-78BB3FE24D84}" srcOrd="0" destOrd="0" presId="urn:microsoft.com/office/officeart/2005/8/layout/cycle4"/>
     <dgm:cxn modelId="{05FE572A-9B8D-42F3-967C-AF3402825035}" type="presOf" srcId="{1BED8205-E68A-4A69-9C19-5674C335B3D4}" destId="{015BE47F-0350-4FC2-9D18-70AF36A771DC}" srcOrd="0" destOrd="1" presId="urn:microsoft.com/office/officeart/2005/8/layout/cycle4"/>
+    <dgm:cxn modelId="{D3D4ED2B-013E-4B28-9DEC-A677A4E22141}" srcId="{39CABDED-5DA2-4B3F-BC94-6083C5FA8C78}" destId="{5B5D836A-F83A-42F3-833E-723F350B47DA}" srcOrd="0" destOrd="0" parTransId="{B51F0DB5-FF58-4D5F-9048-BAAD20881844}" sibTransId="{F14529C3-873F-4322-96C7-5FCBA20EA3DD}"/>
+    <dgm:cxn modelId="{F554A32E-ED25-4C8A-B24C-446E2B11C9ED}" type="presOf" srcId="{365B625D-3139-4541-B827-9133BD815F1D}" destId="{5A0E3CF9-B6B4-4195-9318-84A3E4768357}" srcOrd="0" destOrd="3" presId="urn:microsoft.com/office/officeart/2005/8/layout/cycle4"/>
+    <dgm:cxn modelId="{4FEB4133-990B-44BB-A318-15D3C3C84A4D}" type="presOf" srcId="{58DDAD9A-C6CF-4FFB-8C29-32E1B87C0BF2}" destId="{5A0E3CF9-B6B4-4195-9318-84A3E4768357}" srcOrd="0" destOrd="2" presId="urn:microsoft.com/office/officeart/2005/8/layout/cycle4"/>
+    <dgm:cxn modelId="{4786B236-E095-4D87-AFEA-CF595D29A28E}" type="presOf" srcId="{6F2BEBF9-5294-4357-AF5D-4B2BAB59E2B1}" destId="{2D4A5557-F3BE-4D50-B173-87907D1E8EC0}" srcOrd="1" destOrd="2" presId="urn:microsoft.com/office/officeart/2005/8/layout/cycle4"/>
+    <dgm:cxn modelId="{C6548239-E2EB-4763-A016-9300A0ED7EAC}" type="presOf" srcId="{C81F0FA1-15AE-4137-8BAB-30BB2E4A3C99}" destId="{7E9BD5EF-3680-4637-928D-60EF2793395D}" srcOrd="0" destOrd="0" presId="urn:microsoft.com/office/officeart/2005/8/layout/cycle4"/>
+    <dgm:cxn modelId="{BB06FA39-A1E9-4DC6-A418-28E320B1B5D6}" type="presOf" srcId="{640AA1B6-B9D9-4D19-A7C0-6DA7B6EBC4BC}" destId="{F56A6B43-F21C-4D41-94C0-A26F52E1C10F}" srcOrd="0" destOrd="0" presId="urn:microsoft.com/office/officeart/2005/8/layout/cycle4"/>
     <dgm:cxn modelId="{9C56093C-3B8D-4849-8479-B9BC1B217BFB}" type="presOf" srcId="{6F2BEBF9-5294-4357-AF5D-4B2BAB59E2B1}" destId="{F56A6B43-F21C-4D41-94C0-A26F52E1C10F}" srcOrd="0" destOrd="2" presId="urn:microsoft.com/office/officeart/2005/8/layout/cycle4"/>
+    <dgm:cxn modelId="{D50B185E-4723-4B2A-9399-F9FFC09126F5}" type="presOf" srcId="{58DDAD9A-C6CF-4FFB-8C29-32E1B87C0BF2}" destId="{747239D9-C55A-4937-B919-E20F59C6858D}" srcOrd="1" destOrd="2" presId="urn:microsoft.com/office/officeart/2005/8/layout/cycle4"/>
+    <dgm:cxn modelId="{0BAC5960-4BA1-478E-AD9C-29B635436ABC}" type="presOf" srcId="{9F8F13C9-226B-4CD6-89F8-646FBB911F42}" destId="{015BE47F-0350-4FC2-9D18-70AF36A771DC}" srcOrd="0" destOrd="2" presId="urn:microsoft.com/office/officeart/2005/8/layout/cycle4"/>
     <dgm:cxn modelId="{4E52E947-8E6B-45CF-8B48-5BBD606F47D9}" type="presOf" srcId="{9F8F13C9-226B-4CD6-89F8-646FBB911F42}" destId="{8A637E18-FBB7-4CEB-B0D9-154EB97A5176}" srcOrd="1" destOrd="2" presId="urn:microsoft.com/office/officeart/2005/8/layout/cycle4"/>
     <dgm:cxn modelId="{565C8268-F0AD-424A-91F4-4B12BFD80D20}" type="presOf" srcId="{ACAA05ED-2678-43E6-A16A-81A5E32DB98B}" destId="{0F3B3F80-BBC5-4251-9107-42274132249A}" srcOrd="0" destOrd="0" presId="urn:microsoft.com/office/officeart/2005/8/layout/cycle4"/>
-    <dgm:cxn modelId="{855969CD-B82C-4627-A9FB-D3A22486E401}" srcId="{D6C331BC-5087-4564-BE78-FE742C92EB67}" destId="{EC7447D8-EFF3-492E-93FD-CE2C5E95B5F2}" srcOrd="2" destOrd="0" parTransId="{44104022-F7C2-46A8-BF86-9B7709FFDE33}" sibTransId="{7160F660-40AE-4AA0-A4FE-73EB7CF23496}"/>
+    <dgm:cxn modelId="{99AA504A-20FC-467B-B3EB-C6F6DAC1A007}" type="presOf" srcId="{9B968D21-BB4C-4F15-9D5F-D03AE021FDEB}" destId="{2D4A5557-F3BE-4D50-B173-87907D1E8EC0}" srcOrd="1" destOrd="1" presId="urn:microsoft.com/office/officeart/2005/8/layout/cycle4"/>
+    <dgm:cxn modelId="{A84CE74D-1463-44AD-9572-0543E5B1CDB5}" type="presOf" srcId="{1BED8205-E68A-4A69-9C19-5674C335B3D4}" destId="{8A637E18-FBB7-4CEB-B0D9-154EB97A5176}" srcOrd="1" destOrd="1" presId="urn:microsoft.com/office/officeart/2005/8/layout/cycle4"/>
+    <dgm:cxn modelId="{00E9EB6F-3AAA-4C69-AD94-D66B84248669}" srcId="{BF06C15C-0738-42C1-A290-EE270D5F338C}" destId="{CC9C455D-6D0A-4486-80BE-30361417ADC4}" srcOrd="1" destOrd="0" parTransId="{B415B3CA-769B-426F-B5B0-2CFB7F51B4FA}" sibTransId="{3A8DB912-B377-40CB-ACF4-52B8428D8BB9}"/>
     <dgm:cxn modelId="{A130A050-C2BF-493B-B043-91A56D40BF1B}" srcId="{BF06C15C-0738-42C1-A290-EE270D5F338C}" destId="{65D8DF23-0B36-4944-913C-24856043255E}" srcOrd="2" destOrd="0" parTransId="{C4DDA995-0B8C-4635-A783-B9C0CFAEE82E}" sibTransId="{E279BAA7-F0BC-4B9D-8D64-1F9C57E2457B}"/>
-    <dgm:cxn modelId="{B3974216-5673-4A16-AB3B-46B75AD69EAE}" type="presOf" srcId="{65D8DF23-0B36-4944-913C-24856043255E}" destId="{7A19E504-8DBD-4310-9AA9-0231BCF5D0EC}" srcOrd="1" destOrd="2" presId="urn:microsoft.com/office/officeart/2005/8/layout/cycle4"/>
+    <dgm:cxn modelId="{D94A8B74-1A4D-454C-84BD-972F04A28130}" type="presOf" srcId="{BF06C15C-0738-42C1-A290-EE270D5F338C}" destId="{2362497F-3C2E-454C-B588-DA7970738BBA}" srcOrd="0" destOrd="0" presId="urn:microsoft.com/office/officeart/2005/8/layout/cycle4"/>
+    <dgm:cxn modelId="{2B8F9856-911B-4DC8-8E55-CCCDA7EF892C}" type="presOf" srcId="{42A6CDE5-2B1B-4817-87D8-386AB269AD62}" destId="{5A0E3CF9-B6B4-4195-9318-84A3E4768357}" srcOrd="0" destOrd="0" presId="urn:microsoft.com/office/officeart/2005/8/layout/cycle4"/>
+    <dgm:cxn modelId="{A808AC78-052E-4924-B127-2862823CBE8B}" type="presOf" srcId="{C81F0FA1-15AE-4137-8BAB-30BB2E4A3C99}" destId="{7A19E504-8DBD-4310-9AA9-0231BCF5D0EC}" srcOrd="1" destOrd="0" presId="urn:microsoft.com/office/officeart/2005/8/layout/cycle4"/>
+    <dgm:cxn modelId="{EA183A5A-545C-4F8F-BAF5-A4E2CA649055}" srcId="{D6C331BC-5087-4564-BE78-FE742C92EB67}" destId="{ACAA05ED-2678-43E6-A16A-81A5E32DB98B}" srcOrd="0" destOrd="0" parTransId="{79CA8C74-7A3F-44E4-B7A5-43ED257BEE71}" sibTransId="{E79522AD-E488-4D41-983A-6202495B14BF}"/>
+    <dgm:cxn modelId="{C501685A-9A53-4535-B61F-66F08CCAF1B8}" srcId="{BF06C15C-0738-42C1-A290-EE270D5F338C}" destId="{C81F0FA1-15AE-4137-8BAB-30BB2E4A3C99}" srcOrd="0" destOrd="0" parTransId="{A2248649-306D-4D81-B653-A19CAA9FF1CC}" sibTransId="{EFA8A8DC-FAA1-4DA1-B701-710A7E44B172}"/>
+    <dgm:cxn modelId="{06CA4383-1440-4453-A4A4-FC928B902264}" type="presOf" srcId="{077919B6-9233-4D92-A95A-FCC318AEFEFB}" destId="{747239D9-C55A-4937-B919-E20F59C6858D}" srcOrd="1" destOrd="1" presId="urn:microsoft.com/office/officeart/2005/8/layout/cycle4"/>
+    <dgm:cxn modelId="{4F26FA96-D32D-4192-85E0-BEE19A48D3AF}" type="presOf" srcId="{CC9C455D-6D0A-4486-80BE-30361417ADC4}" destId="{7A19E504-8DBD-4310-9AA9-0231BCF5D0EC}" srcOrd="1" destOrd="1" presId="urn:microsoft.com/office/officeart/2005/8/layout/cycle4"/>
+    <dgm:cxn modelId="{518DF0AE-0FE8-4150-AD86-63105C4582C2}" type="presOf" srcId="{D6C331BC-5087-4564-BE78-FE742C92EB67}" destId="{EFDD2B59-7A64-4C2F-A4EE-66D9AC98A6B7}" srcOrd="0" destOrd="0" presId="urn:microsoft.com/office/officeart/2005/8/layout/cycle4"/>
     <dgm:cxn modelId="{3541E3B0-B60F-4C55-892F-3DAB95C6195C}" type="presOf" srcId="{9B968D21-BB4C-4F15-9D5F-D03AE021FDEB}" destId="{F56A6B43-F21C-4D41-94C0-A26F52E1C10F}" srcOrd="0" destOrd="1" presId="urn:microsoft.com/office/officeart/2005/8/layout/cycle4"/>
+    <dgm:cxn modelId="{3E1309B4-CE2D-4606-B377-79A4D6E32869}" srcId="{EC7447D8-EFF3-492E-93FD-CE2C5E95B5F2}" destId="{640AA1B6-B9D9-4D19-A7C0-6DA7B6EBC4BC}" srcOrd="0" destOrd="0" parTransId="{F96D7B6E-AA1D-4049-8457-7E11CADB9C59}" sibTransId="{B64023CD-4B6C-45A8-B850-692B98F57222}"/>
     <dgm:cxn modelId="{3A2857B6-FF3A-40E9-B740-C235BCCCB1E9}" srcId="{ACAA05ED-2678-43E6-A16A-81A5E32DB98B}" destId="{365B625D-3139-4541-B827-9133BD815F1D}" srcOrd="3" destOrd="0" parTransId="{69A284FA-7F3C-4198-B444-4B3B3CADF002}" sibTransId="{3542FFE1-DB05-44F8-A563-19818821059E}"/>
-    <dgm:cxn modelId="{E83BCCD5-1981-477B-99DE-4891B3C90F55}" type="presOf" srcId="{365B625D-3139-4541-B827-9133BD815F1D}" destId="{747239D9-C55A-4937-B919-E20F59C6858D}" srcOrd="1" destOrd="3" presId="urn:microsoft.com/office/officeart/2005/8/layout/cycle4"/>
-    <dgm:cxn modelId="{06CA4383-1440-4453-A4A4-FC928B902264}" type="presOf" srcId="{077919B6-9233-4D92-A95A-FCC318AEFEFB}" destId="{747239D9-C55A-4937-B919-E20F59C6858D}" srcOrd="1" destOrd="1" presId="urn:microsoft.com/office/officeart/2005/8/layout/cycle4"/>
-    <dgm:cxn modelId="{C501685A-9A53-4535-B61F-66F08CCAF1B8}" srcId="{BF06C15C-0738-42C1-A290-EE270D5F338C}" destId="{C81F0FA1-15AE-4137-8BAB-30BB2E4A3C99}" srcOrd="0" destOrd="0" parTransId="{A2248649-306D-4D81-B653-A19CAA9FF1CC}" sibTransId="{EFA8A8DC-FAA1-4DA1-B701-710A7E44B172}"/>
-    <dgm:cxn modelId="{8117ADDB-617C-425F-862A-C7D5FB64F7E6}" srcId="{ACAA05ED-2678-43E6-A16A-81A5E32DB98B}" destId="{077919B6-9233-4D92-A95A-FCC318AEFEFB}" srcOrd="1" destOrd="0" parTransId="{3FC7AD82-8A05-4000-8DFD-69AF4F013645}" sibTransId="{D5736AEE-6A06-4E60-8BEF-076DF8F54DFA}"/>
+    <dgm:cxn modelId="{CE787CBB-5E4A-4BFC-9932-6A8F4BDD078C}" type="presOf" srcId="{640AA1B6-B9D9-4D19-A7C0-6DA7B6EBC4BC}" destId="{2D4A5557-F3BE-4D50-B173-87907D1E8EC0}" srcOrd="1" destOrd="0" presId="urn:microsoft.com/office/officeart/2005/8/layout/cycle4"/>
     <dgm:cxn modelId="{C43FC2C3-4E6A-4928-A37B-9E10827D8708}" type="presOf" srcId="{39CABDED-5DA2-4B3F-BC94-6083C5FA8C78}" destId="{8B314BF2-E94A-434B-AB78-F8B7A8495E4C}" srcOrd="0" destOrd="0" presId="urn:microsoft.com/office/officeart/2005/8/layout/cycle4"/>
     <dgm:cxn modelId="{14D5D5C7-189D-4AE5-813E-5183A559289D}" type="presOf" srcId="{5B5D836A-F83A-42F3-833E-723F350B47DA}" destId="{015BE47F-0350-4FC2-9D18-70AF36A771DC}" srcOrd="0" destOrd="0" presId="urn:microsoft.com/office/officeart/2005/8/layout/cycle4"/>
+    <dgm:cxn modelId="{407685CC-A577-44F1-A8ED-BEDDC60279A8}" type="presOf" srcId="{42A6CDE5-2B1B-4817-87D8-386AB269AD62}" destId="{747239D9-C55A-4937-B919-E20F59C6858D}" srcOrd="1" destOrd="0" presId="urn:microsoft.com/office/officeart/2005/8/layout/cycle4"/>
+    <dgm:cxn modelId="{855969CD-B82C-4627-A9FB-D3A22486E401}" srcId="{D6C331BC-5087-4564-BE78-FE742C92EB67}" destId="{EC7447D8-EFF3-492E-93FD-CE2C5E95B5F2}" srcOrd="2" destOrd="0" parTransId="{44104022-F7C2-46A8-BF86-9B7709FFDE33}" sibTransId="{7160F660-40AE-4AA0-A4FE-73EB7CF23496}"/>
+    <dgm:cxn modelId="{014F7ED4-92C0-4324-A6B6-7C58DABD76F6}" type="presOf" srcId="{65D8DF23-0B36-4944-913C-24856043255E}" destId="{7E9BD5EF-3680-4637-928D-60EF2793395D}" srcOrd="0" destOrd="2" presId="urn:microsoft.com/office/officeart/2005/8/layout/cycle4"/>
+    <dgm:cxn modelId="{E83BCCD5-1981-477B-99DE-4891B3C90F55}" type="presOf" srcId="{365B625D-3139-4541-B827-9133BD815F1D}" destId="{747239D9-C55A-4937-B919-E20F59C6858D}" srcOrd="1" destOrd="3" presId="urn:microsoft.com/office/officeart/2005/8/layout/cycle4"/>
+    <dgm:cxn modelId="{301AEBD7-6755-4208-BCF5-80F95167E1D1}" srcId="{EC7447D8-EFF3-492E-93FD-CE2C5E95B5F2}" destId="{9B968D21-BB4C-4F15-9D5F-D03AE021FDEB}" srcOrd="1" destOrd="0" parTransId="{D1191C90-1AE1-4725-B299-4B3054A14F99}" sibTransId="{DF00D189-A342-4FCB-854E-2E85229DB696}"/>
+    <dgm:cxn modelId="{EC58DEDA-CACC-4F92-B42A-797ED3FFB46D}" srcId="{EC7447D8-EFF3-492E-93FD-CE2C5E95B5F2}" destId="{6F2BEBF9-5294-4357-AF5D-4B2BAB59E2B1}" srcOrd="2" destOrd="0" parTransId="{BB88EB62-0FE7-41B1-B059-9F4BC6356F12}" sibTransId="{AFEFF68B-5587-425C-9A98-C9F0BDCEC88E}"/>
+    <dgm:cxn modelId="{8117ADDB-617C-425F-862A-C7D5FB64F7E6}" srcId="{ACAA05ED-2678-43E6-A16A-81A5E32DB98B}" destId="{077919B6-9233-4D92-A95A-FCC318AEFEFB}" srcOrd="1" destOrd="0" parTransId="{3FC7AD82-8A05-4000-8DFD-69AF4F013645}" sibTransId="{D5736AEE-6A06-4E60-8BEF-076DF8F54DFA}"/>
     <dgm:cxn modelId="{48FCEDE3-EEA6-4627-9B82-13F000254DE4}" type="presOf" srcId="{5B5D836A-F83A-42F3-833E-723F350B47DA}" destId="{8A637E18-FBB7-4CEB-B0D9-154EB97A5176}" srcOrd="1" destOrd="0" presId="urn:microsoft.com/office/officeart/2005/8/layout/cycle4"/>
-    <dgm:cxn modelId="{D3D4ED2B-013E-4B28-9DEC-A677A4E22141}" srcId="{39CABDED-5DA2-4B3F-BC94-6083C5FA8C78}" destId="{5B5D836A-F83A-42F3-833E-723F350B47DA}" srcOrd="0" destOrd="0" parTransId="{B51F0DB5-FF58-4D5F-9048-BAAD20881844}" sibTransId="{F14529C3-873F-4322-96C7-5FCBA20EA3DD}"/>
-    <dgm:cxn modelId="{D50B185E-4723-4B2A-9399-F9FFC09126F5}" type="presOf" srcId="{58DDAD9A-C6CF-4FFB-8C29-32E1B87C0BF2}" destId="{747239D9-C55A-4937-B919-E20F59C6858D}" srcOrd="1" destOrd="2" presId="urn:microsoft.com/office/officeart/2005/8/layout/cycle4"/>
-    <dgm:cxn modelId="{014F7ED4-92C0-4324-A6B6-7C58DABD76F6}" type="presOf" srcId="{65D8DF23-0B36-4944-913C-24856043255E}" destId="{7E9BD5EF-3680-4637-928D-60EF2793395D}" srcOrd="0" destOrd="2" presId="urn:microsoft.com/office/officeart/2005/8/layout/cycle4"/>
-    <dgm:cxn modelId="{E110EA18-8F4E-4B85-889B-C9F285E66A98}" srcId="{39CABDED-5DA2-4B3F-BC94-6083C5FA8C78}" destId="{1BED8205-E68A-4A69-9C19-5674C335B3D4}" srcOrd="1" destOrd="0" parTransId="{7E48C999-5DCB-4B61-B093-FC75A8717F6F}" sibTransId="{AADC7A4F-2A00-434B-8605-224016E6CCFA}"/>
-    <dgm:cxn modelId="{A84CE74D-1463-44AD-9572-0543E5B1CDB5}" type="presOf" srcId="{1BED8205-E68A-4A69-9C19-5674C335B3D4}" destId="{8A637E18-FBB7-4CEB-B0D9-154EB97A5176}" srcOrd="1" destOrd="1" presId="urn:microsoft.com/office/officeart/2005/8/layout/cycle4"/>
     <dgm:cxn modelId="{85C003F2-E6E8-4538-B990-6D4391237824}" type="presOf" srcId="{077919B6-9233-4D92-A95A-FCC318AEFEFB}" destId="{5A0E3CF9-B6B4-4195-9318-84A3E4768357}" srcOrd="0" destOrd="1" presId="urn:microsoft.com/office/officeart/2005/8/layout/cycle4"/>
-    <dgm:cxn modelId="{CE787CBB-5E4A-4BFC-9932-6A8F4BDD078C}" type="presOf" srcId="{640AA1B6-B9D9-4D19-A7C0-6DA7B6EBC4BC}" destId="{2D4A5557-F3BE-4D50-B173-87907D1E8EC0}" srcOrd="1" destOrd="0" presId="urn:microsoft.com/office/officeart/2005/8/layout/cycle4"/>
-    <dgm:cxn modelId="{BB06FA39-A1E9-4DC6-A418-28E320B1B5D6}" type="presOf" srcId="{640AA1B6-B9D9-4D19-A7C0-6DA7B6EBC4BC}" destId="{F56A6B43-F21C-4D41-94C0-A26F52E1C10F}" srcOrd="0" destOrd="0" presId="urn:microsoft.com/office/officeart/2005/8/layout/cycle4"/>
-    <dgm:cxn modelId="{4F26FA96-D32D-4192-85E0-BEE19A48D3AF}" type="presOf" srcId="{CC9C455D-6D0A-4486-80BE-30361417ADC4}" destId="{7A19E504-8DBD-4310-9AA9-0231BCF5D0EC}" srcOrd="1" destOrd="1" presId="urn:microsoft.com/office/officeart/2005/8/layout/cycle4"/>
     <dgm:cxn modelId="{D0628CFF-92E6-41BC-9570-59E3CB34BADC}" srcId="{D6C331BC-5087-4564-BE78-FE742C92EB67}" destId="{BF06C15C-0738-42C1-A290-EE270D5F338C}" srcOrd="1" destOrd="0" parTransId="{EFF1EB25-C12C-4BCA-AD8B-3BB8FF7784AC}" sibTransId="{04176A7B-14E0-46FC-A432-A1FF924B8708}"/>
-    <dgm:cxn modelId="{EA183A5A-545C-4F8F-BAF5-A4E2CA649055}" srcId="{D6C331BC-5087-4564-BE78-FE742C92EB67}" destId="{ACAA05ED-2678-43E6-A16A-81A5E32DB98B}" srcOrd="0" destOrd="0" parTransId="{79CA8C74-7A3F-44E4-B7A5-43ED257BEE71}" sibTransId="{E79522AD-E488-4D41-983A-6202495B14BF}"/>
-    <dgm:cxn modelId="{00E9EB6F-3AAA-4C69-AD94-D66B84248669}" srcId="{BF06C15C-0738-42C1-A290-EE270D5F338C}" destId="{CC9C455D-6D0A-4486-80BE-30361417ADC4}" srcOrd="1" destOrd="0" parTransId="{B415B3CA-769B-426F-B5B0-2CFB7F51B4FA}" sibTransId="{3A8DB912-B377-40CB-ACF4-52B8428D8BB9}"/>
-    <dgm:cxn modelId="{13AF7B29-209E-471B-A2E8-7474A06F99B9}" type="presOf" srcId="{EC7447D8-EFF3-492E-93FD-CE2C5E95B5F2}" destId="{9BDC7E16-19F2-4B9F-A2EB-78BB3FE24D84}" srcOrd="0" destOrd="0" presId="urn:microsoft.com/office/officeart/2005/8/layout/cycle4"/>
-    <dgm:cxn modelId="{A808AC78-052E-4924-B127-2862823CBE8B}" type="presOf" srcId="{C81F0FA1-15AE-4137-8BAB-30BB2E4A3C99}" destId="{7A19E504-8DBD-4310-9AA9-0231BCF5D0EC}" srcOrd="1" destOrd="0" presId="urn:microsoft.com/office/officeart/2005/8/layout/cycle4"/>
-    <dgm:cxn modelId="{99AA504A-20FC-467B-B3EB-C6F6DAC1A007}" type="presOf" srcId="{9B968D21-BB4C-4F15-9D5F-D03AE021FDEB}" destId="{2D4A5557-F3BE-4D50-B173-87907D1E8EC0}" srcOrd="1" destOrd="1" presId="urn:microsoft.com/office/officeart/2005/8/layout/cycle4"/>
-    <dgm:cxn modelId="{301AEBD7-6755-4208-BCF5-80F95167E1D1}" srcId="{EC7447D8-EFF3-492E-93FD-CE2C5E95B5F2}" destId="{9B968D21-BB4C-4F15-9D5F-D03AE021FDEB}" srcOrd="1" destOrd="0" parTransId="{D1191C90-1AE1-4725-B299-4B3054A14F99}" sibTransId="{DF00D189-A342-4FCB-854E-2E85229DB696}"/>
-    <dgm:cxn modelId="{2B8F9856-911B-4DC8-8E55-CCCDA7EF892C}" type="presOf" srcId="{42A6CDE5-2B1B-4817-87D8-386AB269AD62}" destId="{5A0E3CF9-B6B4-4195-9318-84A3E4768357}" srcOrd="0" destOrd="0" presId="urn:microsoft.com/office/officeart/2005/8/layout/cycle4"/>
-    <dgm:cxn modelId="{518DF0AE-0FE8-4150-AD86-63105C4582C2}" type="presOf" srcId="{D6C331BC-5087-4564-BE78-FE742C92EB67}" destId="{EFDD2B59-7A64-4C2F-A4EE-66D9AC98A6B7}" srcOrd="0" destOrd="0" presId="urn:microsoft.com/office/officeart/2005/8/layout/cycle4"/>
-    <dgm:cxn modelId="{4FEB4133-990B-44BB-A318-15D3C3C84A4D}" type="presOf" srcId="{58DDAD9A-C6CF-4FFB-8C29-32E1B87C0BF2}" destId="{5A0E3CF9-B6B4-4195-9318-84A3E4768357}" srcOrd="0" destOrd="2" presId="urn:microsoft.com/office/officeart/2005/8/layout/cycle4"/>
-    <dgm:cxn modelId="{4786B236-E095-4D87-AFEA-CF595D29A28E}" type="presOf" srcId="{6F2BEBF9-5294-4357-AF5D-4B2BAB59E2B1}" destId="{2D4A5557-F3BE-4D50-B173-87907D1E8EC0}" srcOrd="1" destOrd="2" presId="urn:microsoft.com/office/officeart/2005/8/layout/cycle4"/>
     <dgm:cxn modelId="{53FDCAFF-B65B-4EEA-8BFB-4C4661A689E0}" srcId="{39CABDED-5DA2-4B3F-BC94-6083C5FA8C78}" destId="{9F8F13C9-226B-4CD6-89F8-646FBB911F42}" srcOrd="2" destOrd="0" parTransId="{38179AE4-FDD6-4C91-B463-455A75A8A46C}" sibTransId="{9F77F991-4175-4151-8988-9D86FD9687F4}"/>
-    <dgm:cxn modelId="{E22DAF1D-A4FC-45BE-AB61-DBAE88F0E747}" type="presOf" srcId="{CC9C455D-6D0A-4486-80BE-30361417ADC4}" destId="{7E9BD5EF-3680-4637-928D-60EF2793395D}" srcOrd="0" destOrd="1" presId="urn:microsoft.com/office/officeart/2005/8/layout/cycle4"/>
-    <dgm:cxn modelId="{1DD65821-8039-4614-AB35-B1137776DA47}" srcId="{ACAA05ED-2678-43E6-A16A-81A5E32DB98B}" destId="{58DDAD9A-C6CF-4FFB-8C29-32E1B87C0BF2}" srcOrd="2" destOrd="0" parTransId="{42EB1107-85B8-4065-BE5B-D1537DE9EB2A}" sibTransId="{8B68C1CF-DA36-4D97-8C8C-DB4EFA326842}"/>
-    <dgm:cxn modelId="{407685CC-A577-44F1-A8ED-BEDDC60279A8}" type="presOf" srcId="{42A6CDE5-2B1B-4817-87D8-386AB269AD62}" destId="{747239D9-C55A-4937-B919-E20F59C6858D}" srcOrd="1" destOrd="0" presId="urn:microsoft.com/office/officeart/2005/8/layout/cycle4"/>
-    <dgm:cxn modelId="{F5A0C20E-BDD0-4438-88EB-FBF09CF8B5CD}" srcId="{ACAA05ED-2678-43E6-A16A-81A5E32DB98B}" destId="{42A6CDE5-2B1B-4817-87D8-386AB269AD62}" srcOrd="0" destOrd="0" parTransId="{6228AB46-5E47-4599-B890-87ED3DEBDDC2}" sibTransId="{1391783C-3C75-4509-BC0B-0442B67A24C8}"/>
-    <dgm:cxn modelId="{C6548239-E2EB-4763-A016-9300A0ED7EAC}" type="presOf" srcId="{C81F0FA1-15AE-4137-8BAB-30BB2E4A3C99}" destId="{7E9BD5EF-3680-4637-928D-60EF2793395D}" srcOrd="0" destOrd="0" presId="urn:microsoft.com/office/officeart/2005/8/layout/cycle4"/>
-    <dgm:cxn modelId="{D94A8B74-1A4D-454C-84BD-972F04A28130}" type="presOf" srcId="{BF06C15C-0738-42C1-A290-EE270D5F338C}" destId="{2362497F-3C2E-454C-B588-DA7970738BBA}" srcOrd="0" destOrd="0" presId="urn:microsoft.com/office/officeart/2005/8/layout/cycle4"/>
-    <dgm:cxn modelId="{BDCD3B28-AB49-4F35-9CAB-41643CF8DCE1}" srcId="{D6C331BC-5087-4564-BE78-FE742C92EB67}" destId="{39CABDED-5DA2-4B3F-BC94-6083C5FA8C78}" srcOrd="3" destOrd="0" parTransId="{5BFDFC83-EDC0-46FE-82AC-F21F08B49535}" sibTransId="{C7672495-A378-4DD7-893B-31E3D6469A3A}"/>
-    <dgm:cxn modelId="{0BAC5960-4BA1-478E-AD9C-29B635436ABC}" type="presOf" srcId="{9F8F13C9-226B-4CD6-89F8-646FBB911F42}" destId="{015BE47F-0350-4FC2-9D18-70AF36A771DC}" srcOrd="0" destOrd="2" presId="urn:microsoft.com/office/officeart/2005/8/layout/cycle4"/>
-    <dgm:cxn modelId="{3E1309B4-CE2D-4606-B377-79A4D6E32869}" srcId="{EC7447D8-EFF3-492E-93FD-CE2C5E95B5F2}" destId="{640AA1B6-B9D9-4D19-A7C0-6DA7B6EBC4BC}" srcOrd="0" destOrd="0" parTransId="{F96D7B6E-AA1D-4049-8457-7E11CADB9C59}" sibTransId="{B64023CD-4B6C-45A8-B850-692B98F57222}"/>
-    <dgm:cxn modelId="{F554A32E-ED25-4C8A-B24C-446E2B11C9ED}" type="presOf" srcId="{365B625D-3139-4541-B827-9133BD815F1D}" destId="{5A0E3CF9-B6B4-4195-9318-84A3E4768357}" srcOrd="0" destOrd="3" presId="urn:microsoft.com/office/officeart/2005/8/layout/cycle4"/>
-    <dgm:cxn modelId="{EC58DEDA-CACC-4F92-B42A-797ED3FFB46D}" srcId="{EC7447D8-EFF3-492E-93FD-CE2C5E95B5F2}" destId="{6F2BEBF9-5294-4357-AF5D-4B2BAB59E2B1}" srcOrd="2" destOrd="0" parTransId="{BB88EB62-0FE7-41B1-B059-9F4BC6356F12}" sibTransId="{AFEFF68B-5587-425C-9A98-C9F0BDCEC88E}"/>
     <dgm:cxn modelId="{086C645F-0906-4B55-BAA5-370544CCEB32}" type="presParOf" srcId="{EFDD2B59-7A64-4C2F-A4EE-66D9AC98A6B7}" destId="{8BC96CC5-D51E-409A-871F-ACE12F5F40D2}" srcOrd="0" destOrd="0" presId="urn:microsoft.com/office/officeart/2005/8/layout/cycle4"/>
     <dgm:cxn modelId="{12F7F68D-6FB5-452D-A189-23209204AE5E}" type="presParOf" srcId="{8BC96CC5-D51E-409A-871F-ACE12F5F40D2}" destId="{96F01AE3-6205-4E3F-B6B8-7F78FCAD0403}" srcOrd="0" destOrd="0" presId="urn:microsoft.com/office/officeart/2005/8/layout/cycle4"/>
     <dgm:cxn modelId="{8253AB6C-7060-4214-AB70-21CCBA259755}" type="presParOf" srcId="{96F01AE3-6205-4E3F-B6B8-7F78FCAD0403}" destId="{5A0E3CF9-B6B4-4195-9318-84A3E4768357}" srcOrd="0" destOrd="0" presId="urn:microsoft.com/office/officeart/2005/8/layout/cycle4"/>
@@ -4087,13 +4037,12 @@
             <a:spcAft>
               <a:spcPct val="15000"/>
             </a:spcAft>
-            <a:buChar char="••"/>
+            <a:buChar char="•"/>
           </a:pPr>
           <a:r>
-            <a:rPr lang="en-AU" sz="1800" kern="1200" dirty="0" smtClean="0"/>
+            <a:rPr lang="en-AU" sz="1800" kern="1200" dirty="0"/>
             <a:t>Partnership with Banks to promote online banking services to wider community</a:t>
           </a:r>
-          <a:endParaRPr lang="en-AU" sz="1800" kern="1200" dirty="0"/>
         </a:p>
         <a:p>
           <a:pPr marL="171450" lvl="1" indent="-171450" algn="l" defTabSz="800100">
@@ -4106,13 +4055,12 @@
             <a:spcAft>
               <a:spcPct val="15000"/>
             </a:spcAft>
-            <a:buChar char="••"/>
+            <a:buChar char="•"/>
           </a:pPr>
           <a:r>
-            <a:rPr lang="en-AU" sz="1800" kern="1200" dirty="0" smtClean="0"/>
+            <a:rPr lang="en-AU" sz="1800" kern="1200" dirty="0"/>
             <a:t>Raise awareness of women’s role in family and help her to achieve her financial solution.</a:t>
           </a:r>
-          <a:endParaRPr lang="en-AU" sz="1800" kern="1200" dirty="0"/>
         </a:p>
         <a:p>
           <a:pPr marL="171450" lvl="1" indent="-171450" algn="l" defTabSz="800100">
@@ -4125,13 +4073,12 @@
             <a:spcAft>
               <a:spcPct val="15000"/>
             </a:spcAft>
-            <a:buChar char="••"/>
+            <a:buChar char="•"/>
           </a:pPr>
           <a:r>
-            <a:rPr lang="en-AU" sz="1800" kern="1200" dirty="0" smtClean="0"/>
+            <a:rPr lang="en-AU" sz="1800" kern="1200" dirty="0"/>
             <a:t>Can partnership with microfinance sectors for further entrepreneurship program </a:t>
           </a:r>
-          <a:endParaRPr lang="en-AU" sz="1800" kern="1200" dirty="0"/>
         </a:p>
       </dsp:txBody>
       <dsp:txXfrm>
@@ -4197,13 +4144,12 @@
             <a:spcAft>
               <a:spcPct val="15000"/>
             </a:spcAft>
-            <a:buChar char="••"/>
+            <a:buChar char="•"/>
           </a:pPr>
           <a:r>
-            <a:rPr lang="en-AU" sz="2000" kern="1200" dirty="0" smtClean="0"/>
+            <a:rPr lang="en-AU" sz="2000" kern="1200" dirty="0"/>
             <a:t>Bank can develop same solutions</a:t>
           </a:r>
-          <a:endParaRPr lang="en-AU" sz="2000" kern="1200" dirty="0"/>
         </a:p>
         <a:p>
           <a:pPr marL="228600" lvl="1" indent="-228600" algn="l" defTabSz="889000">
@@ -4216,13 +4162,12 @@
             <a:spcAft>
               <a:spcPct val="15000"/>
             </a:spcAft>
-            <a:buChar char="••"/>
+            <a:buChar char="•"/>
           </a:pPr>
           <a:r>
-            <a:rPr lang="en-AU" sz="2000" kern="1200" dirty="0" smtClean="0"/>
+            <a:rPr lang="en-AU" sz="2000" kern="1200" dirty="0"/>
             <a:t>Family’s objections to women’s role</a:t>
           </a:r>
-          <a:endParaRPr lang="en-AU" sz="2000" kern="1200" dirty="0"/>
         </a:p>
         <a:p>
           <a:pPr marL="228600" lvl="1" indent="-228600" algn="l" defTabSz="889000">
@@ -4235,13 +4180,12 @@
             <a:spcAft>
               <a:spcPct val="15000"/>
             </a:spcAft>
-            <a:buChar char="••"/>
+            <a:buChar char="•"/>
           </a:pPr>
           <a:r>
-            <a:rPr lang="en-AU" sz="2000" kern="1200" dirty="0" smtClean="0"/>
+            <a:rPr lang="en-AU" sz="2000" kern="1200" dirty="0"/>
             <a:t>Competitors from microfinance and other NGOs</a:t>
           </a:r>
-          <a:endParaRPr lang="en-AU" sz="2000" kern="1200" dirty="0"/>
         </a:p>
       </dsp:txBody>
       <dsp:txXfrm>
@@ -4307,7 +4251,7 @@
             <a:spcAft>
               <a:spcPct val="15000"/>
             </a:spcAft>
-            <a:buChar char="••"/>
+            <a:buChar char="•"/>
           </a:pPr>
           <a:endParaRPr lang="en-AU" sz="2000" kern="1200" dirty="0"/>
         </a:p>
@@ -4322,13 +4266,12 @@
             <a:spcAft>
               <a:spcPct val="15000"/>
             </a:spcAft>
-            <a:buChar char="••"/>
+            <a:buChar char="•"/>
           </a:pPr>
           <a:r>
-            <a:rPr lang="en-AU" sz="2000" kern="1200" dirty="0" smtClean="0"/>
+            <a:rPr lang="en-AU" sz="2000" kern="1200" dirty="0"/>
             <a:t>Technology developments (APIs, algorithms to calculate Average Increment Savings)</a:t>
           </a:r>
-          <a:endParaRPr lang="en-AU" sz="2000" kern="1200" dirty="0"/>
         </a:p>
         <a:p>
           <a:pPr marL="228600" lvl="1" indent="-228600" algn="l" defTabSz="889000">
@@ -4341,13 +4284,12 @@
             <a:spcAft>
               <a:spcPct val="15000"/>
             </a:spcAft>
-            <a:buChar char="••"/>
+            <a:buChar char="•"/>
           </a:pPr>
           <a:r>
-            <a:rPr lang="en-AU" sz="2000" kern="1200" dirty="0" smtClean="0"/>
+            <a:rPr lang="en-AU" sz="2000" kern="1200" dirty="0"/>
             <a:t>Heavily regulated financial  sectors with high confidentiality </a:t>
           </a:r>
-          <a:endParaRPr lang="en-AU" sz="2000" kern="1200" dirty="0"/>
         </a:p>
       </dsp:txBody>
       <dsp:txXfrm>
@@ -4413,7 +4355,7 @@
             <a:spcAft>
               <a:spcPct val="15000"/>
             </a:spcAft>
-            <a:buChar char="••"/>
+            <a:buChar char="•"/>
           </a:pPr>
           <a:endParaRPr lang="en-AU" sz="2200" kern="1200" dirty="0"/>
         </a:p>
@@ -4428,21 +4370,20 @@
             <a:spcAft>
               <a:spcPct val="15000"/>
             </a:spcAft>
-            <a:buChar char="••"/>
+            <a:buChar char="•"/>
           </a:pPr>
           <a:r>
-            <a:rPr lang="en-AU" sz="2200" kern="1200" dirty="0" smtClean="0"/>
+            <a:rPr lang="en-AU" sz="2200" kern="1200" dirty="0"/>
             <a:t>3</a:t>
           </a:r>
           <a:r>
-            <a:rPr lang="en-AU" sz="2200" kern="1200" baseline="30000" dirty="0" smtClean="0"/>
+            <a:rPr lang="en-AU" sz="2200" kern="1200" baseline="30000" dirty="0"/>
             <a:t>rd</a:t>
           </a:r>
           <a:r>
-            <a:rPr lang="en-AU" sz="2200" kern="1200" dirty="0" smtClean="0"/>
+            <a:rPr lang="en-AU" sz="2200" kern="1200" dirty="0"/>
             <a:t> party records</a:t>
           </a:r>
-          <a:endParaRPr lang="en-AU" sz="2200" kern="1200" dirty="0"/>
         </a:p>
         <a:p>
           <a:pPr marL="228600" lvl="1" indent="-228600" algn="l" defTabSz="977900">
@@ -4455,13 +4396,12 @@
             <a:spcAft>
               <a:spcPct val="15000"/>
             </a:spcAft>
-            <a:buChar char="••"/>
+            <a:buChar char="•"/>
           </a:pPr>
           <a:r>
-            <a:rPr lang="en-AU" sz="2200" kern="1200" dirty="0" smtClean="0"/>
+            <a:rPr lang="en-AU" sz="2200" kern="1200" dirty="0"/>
             <a:t>Target women</a:t>
           </a:r>
-          <a:endParaRPr lang="en-AU" sz="2200" kern="1200" dirty="0"/>
         </a:p>
         <a:p>
           <a:pPr marL="228600" lvl="1" indent="-228600" algn="l" defTabSz="977900">
@@ -4474,13 +4414,12 @@
             <a:spcAft>
               <a:spcPct val="15000"/>
             </a:spcAft>
-            <a:buChar char="••"/>
+            <a:buChar char="•"/>
           </a:pPr>
           <a:r>
-            <a:rPr lang="en-AU" sz="2200" kern="1200" dirty="0" smtClean="0"/>
+            <a:rPr lang="en-AU" sz="2200" kern="1200" dirty="0"/>
             <a:t>Technological pioneers for banking sectors on community supports</a:t>
           </a:r>
-          <a:endParaRPr lang="en-AU" sz="2200" kern="1200" dirty="0"/>
         </a:p>
       </dsp:txBody>
       <dsp:txXfrm>
@@ -4543,7 +4482,7 @@
         </a:bodyPr>
         <a:lstStyle/>
         <a:p>
-          <a:pPr lvl="0" algn="ctr" defTabSz="1200150">
+          <a:pPr marL="0" lvl="0" indent="0" algn="ctr" defTabSz="1200150">
             <a:lnSpc>
               <a:spcPct val="90000"/>
             </a:lnSpc>
@@ -4553,12 +4492,12 @@
             <a:spcAft>
               <a:spcPct val="35000"/>
             </a:spcAft>
+            <a:buNone/>
           </a:pPr>
           <a:r>
-            <a:rPr lang="en-AU" sz="2700" kern="1200" dirty="0" smtClean="0"/>
+            <a:rPr lang="en-AU" sz="2700" kern="1200" dirty="0"/>
             <a:t>S</a:t>
           </a:r>
-          <a:endParaRPr lang="en-AU" sz="2700" kern="1200" dirty="0"/>
         </a:p>
       </dsp:txBody>
       <dsp:txXfrm>
@@ -4621,7 +4560,7 @@
         </a:bodyPr>
         <a:lstStyle/>
         <a:p>
-          <a:pPr lvl="0" algn="ctr" defTabSz="1200150">
+          <a:pPr marL="0" lvl="0" indent="0" algn="ctr" defTabSz="1200150">
             <a:lnSpc>
               <a:spcPct val="90000"/>
             </a:lnSpc>
@@ -4631,12 +4570,12 @@
             <a:spcAft>
               <a:spcPct val="35000"/>
             </a:spcAft>
+            <a:buNone/>
           </a:pPr>
           <a:r>
-            <a:rPr lang="en-AU" sz="2700" kern="1200" dirty="0" smtClean="0"/>
+            <a:rPr lang="en-AU" sz="2700" kern="1200" dirty="0"/>
             <a:t>W</a:t>
           </a:r>
-          <a:endParaRPr lang="en-AU" sz="2700" kern="1200" dirty="0"/>
         </a:p>
       </dsp:txBody>
       <dsp:txXfrm rot="-5400000">
@@ -4699,7 +4638,7 @@
         </a:bodyPr>
         <a:lstStyle/>
         <a:p>
-          <a:pPr lvl="0" algn="ctr" defTabSz="1200150">
+          <a:pPr marL="0" lvl="0" indent="0" algn="ctr" defTabSz="1200150">
             <a:lnSpc>
               <a:spcPct val="90000"/>
             </a:lnSpc>
@@ -4709,12 +4648,12 @@
             <a:spcAft>
               <a:spcPct val="35000"/>
             </a:spcAft>
+            <a:buNone/>
           </a:pPr>
           <a:r>
-            <a:rPr lang="en-AU" sz="2700" kern="1200" dirty="0" smtClean="0"/>
+            <a:rPr lang="en-AU" sz="2700" kern="1200" dirty="0"/>
             <a:t>O</a:t>
           </a:r>
-          <a:endParaRPr lang="en-AU" sz="2700" kern="1200" dirty="0"/>
         </a:p>
       </dsp:txBody>
       <dsp:txXfrm rot="10800000">
@@ -4777,7 +4716,7 @@
         </a:bodyPr>
         <a:lstStyle/>
         <a:p>
-          <a:pPr lvl="0" algn="ctr" defTabSz="1200150">
+          <a:pPr marL="0" lvl="0" indent="0" algn="ctr" defTabSz="1200150">
             <a:lnSpc>
               <a:spcPct val="90000"/>
             </a:lnSpc>
@@ -4787,12 +4726,12 @@
             <a:spcAft>
               <a:spcPct val="35000"/>
             </a:spcAft>
+            <a:buNone/>
           </a:pPr>
           <a:r>
-            <a:rPr lang="en-AU" sz="2700" kern="1200" dirty="0" smtClean="0"/>
+            <a:rPr lang="en-AU" sz="2700" kern="1200" dirty="0"/>
             <a:t>T</a:t>
           </a:r>
-          <a:endParaRPr lang="en-AU" sz="2700" kern="1200" dirty="0"/>
         </a:p>
       </dsp:txBody>
       <dsp:txXfrm rot="5400000">
@@ -6703,7 +6642,7 @@
           </a:lstStyle>
           <a:p>
             <a:r>
-              <a:rPr lang="en-US" smtClean="0"/>
+              <a:rPr lang="en-US"/>
               <a:t>Click to edit Master title style</a:t>
             </a:r>
             <a:endParaRPr lang="en-AU"/>
@@ -6768,7 +6707,7 @@
           </a:lstStyle>
           <a:p>
             <a:r>
-              <a:rPr lang="en-US" smtClean="0"/>
+              <a:rPr lang="en-US"/>
               <a:t>Click to edit Master subtitle style</a:t>
             </a:r>
             <a:endParaRPr lang="en-AU"/>
@@ -6886,7 +6825,7 @@
           <a:lstStyle/>
           <a:p>
             <a:r>
-              <a:rPr lang="en-US" smtClean="0"/>
+              <a:rPr lang="en-US"/>
               <a:t>Click to edit Master title style</a:t>
             </a:r>
             <a:endParaRPr lang="en-AU"/>
@@ -6910,35 +6849,35 @@
           <a:p>
             <a:pPr lvl="0"/>
             <a:r>
-              <a:rPr lang="en-US" smtClean="0"/>
+              <a:rPr lang="en-US"/>
               <a:t>Click to edit Master text styles</a:t>
             </a:r>
           </a:p>
           <a:p>
             <a:pPr lvl="1"/>
             <a:r>
-              <a:rPr lang="en-US" smtClean="0"/>
+              <a:rPr lang="en-US"/>
               <a:t>Second level</a:t>
             </a:r>
           </a:p>
           <a:p>
             <a:pPr lvl="2"/>
             <a:r>
-              <a:rPr lang="en-US" smtClean="0"/>
+              <a:rPr lang="en-US"/>
               <a:t>Third level</a:t>
             </a:r>
           </a:p>
           <a:p>
             <a:pPr lvl="3"/>
             <a:r>
-              <a:rPr lang="en-US" smtClean="0"/>
+              <a:rPr lang="en-US"/>
               <a:t>Fourth level</a:t>
             </a:r>
           </a:p>
           <a:p>
             <a:pPr lvl="4"/>
             <a:r>
-              <a:rPr lang="en-US" smtClean="0"/>
+              <a:rPr lang="en-US"/>
               <a:t>Fifth level</a:t>
             </a:r>
             <a:endParaRPr lang="en-AU"/>
@@ -7061,7 +7000,7 @@
           <a:lstStyle/>
           <a:p>
             <a:r>
-              <a:rPr lang="en-US" smtClean="0"/>
+              <a:rPr lang="en-US"/>
               <a:t>Click to edit Master title style</a:t>
             </a:r>
             <a:endParaRPr lang="en-AU"/>
@@ -7090,35 +7029,35 @@
           <a:p>
             <a:pPr lvl="0"/>
             <a:r>
-              <a:rPr lang="en-US" smtClean="0"/>
+              <a:rPr lang="en-US"/>
               <a:t>Click to edit Master text styles</a:t>
             </a:r>
           </a:p>
           <a:p>
             <a:pPr lvl="1"/>
             <a:r>
-              <a:rPr lang="en-US" smtClean="0"/>
+              <a:rPr lang="en-US"/>
               <a:t>Second level</a:t>
             </a:r>
           </a:p>
           <a:p>
             <a:pPr lvl="2"/>
             <a:r>
-              <a:rPr lang="en-US" smtClean="0"/>
+              <a:rPr lang="en-US"/>
               <a:t>Third level</a:t>
             </a:r>
           </a:p>
           <a:p>
             <a:pPr lvl="3"/>
             <a:r>
-              <a:rPr lang="en-US" smtClean="0"/>
+              <a:rPr lang="en-US"/>
               <a:t>Fourth level</a:t>
             </a:r>
           </a:p>
           <a:p>
             <a:pPr lvl="4"/>
             <a:r>
-              <a:rPr lang="en-US" smtClean="0"/>
+              <a:rPr lang="en-US"/>
               <a:t>Fifth level</a:t>
             </a:r>
             <a:endParaRPr lang="en-AU"/>
@@ -7236,7 +7175,7 @@
           <a:lstStyle/>
           <a:p>
             <a:r>
-              <a:rPr lang="en-US" smtClean="0"/>
+              <a:rPr lang="en-US"/>
               <a:t>Click to edit Master title style</a:t>
             </a:r>
             <a:endParaRPr lang="en-AU"/>
@@ -7260,35 +7199,35 @@
           <a:p>
             <a:pPr lvl="0"/>
             <a:r>
-              <a:rPr lang="en-US" smtClean="0"/>
+              <a:rPr lang="en-US"/>
               <a:t>Click to edit Master text styles</a:t>
             </a:r>
           </a:p>
           <a:p>
             <a:pPr lvl="1"/>
             <a:r>
-              <a:rPr lang="en-US" smtClean="0"/>
+              <a:rPr lang="en-US"/>
               <a:t>Second level</a:t>
             </a:r>
           </a:p>
           <a:p>
             <a:pPr lvl="2"/>
             <a:r>
-              <a:rPr lang="en-US" smtClean="0"/>
+              <a:rPr lang="en-US"/>
               <a:t>Third level</a:t>
             </a:r>
           </a:p>
           <a:p>
             <a:pPr lvl="3"/>
             <a:r>
-              <a:rPr lang="en-US" smtClean="0"/>
+              <a:rPr lang="en-US"/>
               <a:t>Fourth level</a:t>
             </a:r>
           </a:p>
           <a:p>
             <a:pPr lvl="4"/>
             <a:r>
-              <a:rPr lang="en-US" smtClean="0"/>
+              <a:rPr lang="en-US"/>
               <a:t>Fifth level</a:t>
             </a:r>
             <a:endParaRPr lang="en-AU"/>
@@ -7415,7 +7354,7 @@
           </a:lstStyle>
           <a:p>
             <a:r>
-              <a:rPr lang="en-US" smtClean="0"/>
+              <a:rPr lang="en-US"/>
               <a:t>Click to edit Master title style</a:t>
             </a:r>
             <a:endParaRPr lang="en-AU"/>
@@ -7535,7 +7474,7 @@
           <a:p>
             <a:pPr lvl="0"/>
             <a:r>
-              <a:rPr lang="en-US" smtClean="0"/>
+              <a:rPr lang="en-US"/>
               <a:t>Click to edit Master text styles</a:t>
             </a:r>
           </a:p>
@@ -7652,7 +7591,7 @@
           <a:lstStyle/>
           <a:p>
             <a:r>
-              <a:rPr lang="en-US" smtClean="0"/>
+              <a:rPr lang="en-US"/>
               <a:t>Click to edit Master title style</a:t>
             </a:r>
             <a:endParaRPr lang="en-AU"/>
@@ -7681,35 +7620,35 @@
           <a:p>
             <a:pPr lvl="0"/>
             <a:r>
-              <a:rPr lang="en-US" smtClean="0"/>
+              <a:rPr lang="en-US"/>
               <a:t>Click to edit Master text styles</a:t>
             </a:r>
           </a:p>
           <a:p>
             <a:pPr lvl="1"/>
             <a:r>
-              <a:rPr lang="en-US" smtClean="0"/>
+              <a:rPr lang="en-US"/>
               <a:t>Second level</a:t>
             </a:r>
           </a:p>
           <a:p>
             <a:pPr lvl="2"/>
             <a:r>
-              <a:rPr lang="en-US" smtClean="0"/>
+              <a:rPr lang="en-US"/>
               <a:t>Third level</a:t>
             </a:r>
           </a:p>
           <a:p>
             <a:pPr lvl="3"/>
             <a:r>
-              <a:rPr lang="en-US" smtClean="0"/>
+              <a:rPr lang="en-US"/>
               <a:t>Fourth level</a:t>
             </a:r>
           </a:p>
           <a:p>
             <a:pPr lvl="4"/>
             <a:r>
-              <a:rPr lang="en-US" smtClean="0"/>
+              <a:rPr lang="en-US"/>
               <a:t>Fifth level</a:t>
             </a:r>
             <a:endParaRPr lang="en-AU"/>
@@ -7738,35 +7677,35 @@
           <a:p>
             <a:pPr lvl="0"/>
             <a:r>
-              <a:rPr lang="en-US" smtClean="0"/>
+              <a:rPr lang="en-US"/>
               <a:t>Click to edit Master text styles</a:t>
             </a:r>
           </a:p>
           <a:p>
             <a:pPr lvl="1"/>
             <a:r>
-              <a:rPr lang="en-US" smtClean="0"/>
+              <a:rPr lang="en-US"/>
               <a:t>Second level</a:t>
             </a:r>
           </a:p>
           <a:p>
             <a:pPr lvl="2"/>
             <a:r>
-              <a:rPr lang="en-US" smtClean="0"/>
+              <a:rPr lang="en-US"/>
               <a:t>Third level</a:t>
             </a:r>
           </a:p>
           <a:p>
             <a:pPr lvl="3"/>
             <a:r>
-              <a:rPr lang="en-US" smtClean="0"/>
+              <a:rPr lang="en-US"/>
               <a:t>Fourth level</a:t>
             </a:r>
           </a:p>
           <a:p>
             <a:pPr lvl="4"/>
             <a:r>
-              <a:rPr lang="en-US" smtClean="0"/>
+              <a:rPr lang="en-US"/>
               <a:t>Fifth level</a:t>
             </a:r>
             <a:endParaRPr lang="en-AU"/>
@@ -7889,7 +7828,7 @@
           <a:lstStyle/>
           <a:p>
             <a:r>
-              <a:rPr lang="en-US" smtClean="0"/>
+              <a:rPr lang="en-US"/>
               <a:t>Click to edit Master title style</a:t>
             </a:r>
             <a:endParaRPr lang="en-AU"/>
@@ -7955,7 +7894,7 @@
           <a:p>
             <a:pPr lvl="0"/>
             <a:r>
-              <a:rPr lang="en-US" smtClean="0"/>
+              <a:rPr lang="en-US"/>
               <a:t>Click to edit Master text styles</a:t>
             </a:r>
           </a:p>
@@ -7983,35 +7922,35 @@
           <a:p>
             <a:pPr lvl="0"/>
             <a:r>
-              <a:rPr lang="en-US" smtClean="0"/>
+              <a:rPr lang="en-US"/>
               <a:t>Click to edit Master text styles</a:t>
             </a:r>
           </a:p>
           <a:p>
             <a:pPr lvl="1"/>
             <a:r>
-              <a:rPr lang="en-US" smtClean="0"/>
+              <a:rPr lang="en-US"/>
               <a:t>Second level</a:t>
             </a:r>
           </a:p>
           <a:p>
             <a:pPr lvl="2"/>
             <a:r>
-              <a:rPr lang="en-US" smtClean="0"/>
+              <a:rPr lang="en-US"/>
               <a:t>Third level</a:t>
             </a:r>
           </a:p>
           <a:p>
             <a:pPr lvl="3"/>
             <a:r>
-              <a:rPr lang="en-US" smtClean="0"/>
+              <a:rPr lang="en-US"/>
               <a:t>Fourth level</a:t>
             </a:r>
           </a:p>
           <a:p>
             <a:pPr lvl="4"/>
             <a:r>
-              <a:rPr lang="en-US" smtClean="0"/>
+              <a:rPr lang="en-US"/>
               <a:t>Fifth level</a:t>
             </a:r>
             <a:endParaRPr lang="en-AU"/>
@@ -8077,7 +8016,7 @@
           <a:p>
             <a:pPr lvl="0"/>
             <a:r>
-              <a:rPr lang="en-US" smtClean="0"/>
+              <a:rPr lang="en-US"/>
               <a:t>Click to edit Master text styles</a:t>
             </a:r>
           </a:p>
@@ -8105,35 +8044,35 @@
           <a:p>
             <a:pPr lvl="0"/>
             <a:r>
-              <a:rPr lang="en-US" smtClean="0"/>
+              <a:rPr lang="en-US"/>
               <a:t>Click to edit Master text styles</a:t>
             </a:r>
           </a:p>
           <a:p>
             <a:pPr lvl="1"/>
             <a:r>
-              <a:rPr lang="en-US" smtClean="0"/>
+              <a:rPr lang="en-US"/>
               <a:t>Second level</a:t>
             </a:r>
           </a:p>
           <a:p>
             <a:pPr lvl="2"/>
             <a:r>
-              <a:rPr lang="en-US" smtClean="0"/>
+              <a:rPr lang="en-US"/>
               <a:t>Third level</a:t>
             </a:r>
           </a:p>
           <a:p>
             <a:pPr lvl="3"/>
             <a:r>
-              <a:rPr lang="en-US" smtClean="0"/>
+              <a:rPr lang="en-US"/>
               <a:t>Fourth level</a:t>
             </a:r>
           </a:p>
           <a:p>
             <a:pPr lvl="4"/>
             <a:r>
-              <a:rPr lang="en-US" smtClean="0"/>
+              <a:rPr lang="en-US"/>
               <a:t>Fifth level</a:t>
             </a:r>
             <a:endParaRPr lang="en-AU"/>
@@ -8251,7 +8190,7 @@
           <a:lstStyle/>
           <a:p>
             <a:r>
-              <a:rPr lang="en-US" smtClean="0"/>
+              <a:rPr lang="en-US"/>
               <a:t>Click to edit Master title style</a:t>
             </a:r>
             <a:endParaRPr lang="en-AU"/>
@@ -8473,7 +8412,7 @@
           </a:lstStyle>
           <a:p>
             <a:r>
-              <a:rPr lang="en-US" smtClean="0"/>
+              <a:rPr lang="en-US"/>
               <a:t>Click to edit Master title style</a:t>
             </a:r>
             <a:endParaRPr lang="en-AU"/>
@@ -8530,35 +8469,35 @@
           <a:p>
             <a:pPr lvl="0"/>
             <a:r>
-              <a:rPr lang="en-US" smtClean="0"/>
+              <a:rPr lang="en-US"/>
               <a:t>Click to edit Master text styles</a:t>
             </a:r>
           </a:p>
           <a:p>
             <a:pPr lvl="1"/>
             <a:r>
-              <a:rPr lang="en-US" smtClean="0"/>
+              <a:rPr lang="en-US"/>
               <a:t>Second level</a:t>
             </a:r>
           </a:p>
           <a:p>
             <a:pPr lvl="2"/>
             <a:r>
-              <a:rPr lang="en-US" smtClean="0"/>
+              <a:rPr lang="en-US"/>
               <a:t>Third level</a:t>
             </a:r>
           </a:p>
           <a:p>
             <a:pPr lvl="3"/>
             <a:r>
-              <a:rPr lang="en-US" smtClean="0"/>
+              <a:rPr lang="en-US"/>
               <a:t>Fourth level</a:t>
             </a:r>
           </a:p>
           <a:p>
             <a:pPr lvl="4"/>
             <a:r>
-              <a:rPr lang="en-US" smtClean="0"/>
+              <a:rPr lang="en-US"/>
               <a:t>Fifth level</a:t>
             </a:r>
             <a:endParaRPr lang="en-AU"/>
@@ -8624,7 +8563,7 @@
           <a:p>
             <a:pPr lvl="0"/>
             <a:r>
-              <a:rPr lang="en-US" smtClean="0"/>
+              <a:rPr lang="en-US"/>
               <a:t>Click to edit Master text styles</a:t>
             </a:r>
           </a:p>
@@ -8750,7 +8689,7 @@
           </a:lstStyle>
           <a:p>
             <a:r>
-              <a:rPr lang="en-US" smtClean="0"/>
+              <a:rPr lang="en-US"/>
               <a:t>Click to edit Master title style</a:t>
             </a:r>
             <a:endParaRPr lang="en-AU"/>
@@ -8877,7 +8816,7 @@
           <a:p>
             <a:pPr lvl="0"/>
             <a:r>
-              <a:rPr lang="en-US" smtClean="0"/>
+              <a:rPr lang="en-US"/>
               <a:t>Click to edit Master text styles</a:t>
             </a:r>
           </a:p>
@@ -9009,7 +8948,7 @@
           <a:lstStyle/>
           <a:p>
             <a:r>
-              <a:rPr lang="en-US" smtClean="0"/>
+              <a:rPr lang="en-US"/>
               <a:t>Click to edit Master title style</a:t>
             </a:r>
             <a:endParaRPr lang="en-AU"/>
@@ -9043,35 +8982,35 @@
           <a:p>
             <a:pPr lvl="0"/>
             <a:r>
-              <a:rPr lang="en-US" smtClean="0"/>
+              <a:rPr lang="en-US"/>
               <a:t>Click to edit Master text styles</a:t>
             </a:r>
           </a:p>
           <a:p>
             <a:pPr lvl="1"/>
             <a:r>
-              <a:rPr lang="en-US" smtClean="0"/>
+              <a:rPr lang="en-US"/>
               <a:t>Second level</a:t>
             </a:r>
           </a:p>
           <a:p>
             <a:pPr lvl="2"/>
             <a:r>
-              <a:rPr lang="en-US" smtClean="0"/>
+              <a:rPr lang="en-US"/>
               <a:t>Third level</a:t>
             </a:r>
           </a:p>
           <a:p>
             <a:pPr lvl="3"/>
             <a:r>
-              <a:rPr lang="en-US" smtClean="0"/>
+              <a:rPr lang="en-US"/>
               <a:t>Fourth level</a:t>
             </a:r>
           </a:p>
           <a:p>
             <a:pPr lvl="4"/>
             <a:r>
-              <a:rPr lang="en-US" smtClean="0"/>
+              <a:rPr lang="en-US"/>
               <a:t>Fifth level</a:t>
             </a:r>
             <a:endParaRPr lang="en-AU"/>
@@ -9539,7 +9478,7 @@
           <a:lstStyle/>
           <a:p>
             <a:r>
-              <a:rPr lang="en-AU" dirty="0" smtClean="0">
+              <a:rPr lang="en-AU" dirty="0">
                 <a:solidFill>
                   <a:srgbClr val="0070C0"/>
                 </a:solidFill>
@@ -9557,7 +9496,7 @@
           </a:p>
           <a:p>
             <a:r>
-              <a:rPr lang="en-AU" dirty="0" smtClean="0">
+              <a:rPr lang="en-AU" dirty="0">
                 <a:solidFill>
                   <a:srgbClr val="0070C0"/>
                 </a:solidFill>
@@ -9573,7 +9512,7 @@
               <a:t>Presented by: Mervyn, </a:t>
             </a:r>
             <a:r>
-              <a:rPr lang="en-AU" dirty="0" err="1" smtClean="0">
+              <a:rPr lang="en-AU" dirty="0" err="1">
                 <a:solidFill>
                   <a:srgbClr val="0070C0"/>
                 </a:solidFill>
@@ -9589,7 +9528,7 @@
               <a:t>Krupa</a:t>
             </a:r>
             <a:r>
-              <a:rPr lang="en-AU" dirty="0" smtClean="0">
+              <a:rPr lang="en-AU" dirty="0">
                 <a:solidFill>
                   <a:srgbClr val="0070C0"/>
                 </a:solidFill>
@@ -9606,7 +9545,7 @@
             </a:r>
           </a:p>
           <a:p>
-            <a:endParaRPr lang="en-AU" dirty="0" smtClean="0">
+            <a:endParaRPr lang="en-AU" dirty="0">
               <a:effectLst>
                 <a:outerShdw blurRad="38100" dist="38100" dir="2700000" algn="tl">
                   <a:srgbClr val="000000">
@@ -9670,7 +9609,7 @@
           <a:p>
             <a:pPr algn="ctr"/>
             <a:r>
-              <a:rPr lang="en-US" sz="6600" b="1" dirty="0" smtClean="0">
+              <a:rPr lang="en-US" sz="6600" b="1" dirty="0">
                 <a:ln w="12700">
                   <a:solidFill>
                     <a:schemeClr val="accent5"/>
@@ -9684,7 +9623,7 @@
               <a:t>Let her $</a:t>
             </a:r>
             <a:r>
-              <a:rPr lang="en-US" sz="6600" b="1" dirty="0" err="1" smtClean="0">
+              <a:rPr lang="en-US" sz="6600" b="1" dirty="0" err="1">
                 <a:ln w="12700">
                   <a:solidFill>
                     <a:schemeClr val="accent5"/>
@@ -9698,7 +9637,7 @@
               <a:t>ave</a:t>
             </a:r>
             <a:r>
-              <a:rPr lang="en-US" sz="6600" b="1" dirty="0" smtClean="0">
+              <a:rPr lang="en-US" sz="6600" b="1" dirty="0">
                 <a:ln w="12700">
                   <a:solidFill>
                     <a:schemeClr val="accent5"/>
@@ -9712,7 +9651,7 @@
               <a:t> so she can be $</a:t>
             </a:r>
             <a:r>
-              <a:rPr lang="en-US" sz="6600" b="1" dirty="0" err="1" smtClean="0">
+              <a:rPr lang="en-US" sz="6600" b="1" dirty="0" err="1">
                 <a:ln w="12700">
                   <a:solidFill>
                     <a:schemeClr val="accent5"/>
@@ -9725,7 +9664,7 @@
               </a:rPr>
               <a:t>afe</a:t>
             </a:r>
-            <a:endParaRPr lang="en-US" sz="6600" b="1" dirty="0" smtClean="0">
+            <a:endParaRPr lang="en-US" sz="6600" b="1" dirty="0">
               <a:ln w="12700">
                 <a:solidFill>
                   <a:schemeClr val="accent5"/>
@@ -10123,6 +10062,144 @@
     </p:spTree>
     <p:extLst>
       <p:ext uri="{BB962C8B-B14F-4D97-AF65-F5344CB8AC3E}">
+        <p14:creationId xmlns:p14="http://schemas.microsoft.com/office/powerpoint/2010/main" val="1987965198"/>
+      </p:ext>
+    </p:extLst>
+  </p:cSld>
+  <p:clrMapOvr>
+    <a:masterClrMapping/>
+  </p:clrMapOvr>
+  <mc:AlternateContent xmlns:mc="http://schemas.openxmlformats.org/markup-compatibility/2006" xmlns:p14="http://schemas.microsoft.com/office/powerpoint/2010/main">
+    <mc:Choice Requires="p14">
+      <p:transition spd="slow" p14:dur="3000">
+        <p14:shred/>
+      </p:transition>
+    </mc:Choice>
+    <mc:Fallback xmlns="">
+      <p:transition spd="slow">
+        <p:fade/>
+      </p:transition>
+    </mc:Fallback>
+  </mc:AlternateContent>
+</p:sld>
+</file>
+
+<file path=ppt/slides/slide11.xml><?xml version="1.0" encoding="utf-8"?>
+<p:sld xmlns:a="http://schemas.openxmlformats.org/drawingml/2006/main" xmlns:r="http://schemas.openxmlformats.org/officeDocument/2006/relationships" xmlns:p="http://schemas.openxmlformats.org/presentationml/2006/main">
+  <p:cSld>
+    <p:bg>
+      <p:bgPr>
+        <a:gradFill>
+          <a:gsLst>
+            <a:gs pos="0">
+              <a:schemeClr val="accent1">
+                <a:lumMod val="5000"/>
+                <a:lumOff val="95000"/>
+              </a:schemeClr>
+            </a:gs>
+            <a:gs pos="74000">
+              <a:schemeClr val="accent1">
+                <a:lumMod val="45000"/>
+                <a:lumOff val="55000"/>
+              </a:schemeClr>
+            </a:gs>
+            <a:gs pos="83000">
+              <a:schemeClr val="accent1">
+                <a:lumMod val="45000"/>
+                <a:lumOff val="55000"/>
+              </a:schemeClr>
+            </a:gs>
+            <a:gs pos="100000">
+              <a:schemeClr val="accent1">
+                <a:lumMod val="30000"/>
+                <a:lumOff val="70000"/>
+              </a:schemeClr>
+            </a:gs>
+          </a:gsLst>
+          <a:lin ang="5400000" scaled="1"/>
+        </a:gradFill>
+        <a:effectLst/>
+      </p:bgPr>
+    </p:bg>
+    <p:spTree>
+      <p:nvGrpSpPr>
+        <p:cNvPr id="1" name=""/>
+        <p:cNvGrpSpPr/>
+        <p:nvPr/>
+      </p:nvGrpSpPr>
+      <p:grpSpPr>
+        <a:xfrm>
+          <a:off x="0" y="0"/>
+          <a:ext cx="0" cy="0"/>
+          <a:chOff x="0" y="0"/>
+          <a:chExt cx="0" cy="0"/>
+        </a:xfrm>
+      </p:grpSpPr>
+      <p:pic>
+        <p:nvPicPr>
+          <p:cNvPr id="5" name="Picture 4"/>
+          <p:cNvPicPr>
+            <a:picLocks noChangeAspect="1"/>
+          </p:cNvPicPr>
+          <p:nvPr/>
+        </p:nvPicPr>
+        <p:blipFill>
+          <a:blip r:embed="rId2">
+            <a:extLst>
+              <a:ext uri="{BEBA8EAE-BF5A-486C-A8C5-ECC9F3942E4B}">
+                <a14:imgProps xmlns:a14="http://schemas.microsoft.com/office/drawing/2010/main">
+                  <a14:imgLayer r:embed="rId3">
+                    <a14:imgEffect>
+                      <a14:sharpenSoften amount="50000"/>
+                    </a14:imgEffect>
+                  </a14:imgLayer>
+                </a14:imgProps>
+              </a:ext>
+            </a:extLst>
+          </a:blip>
+          <a:stretch>
+            <a:fillRect/>
+          </a:stretch>
+        </p:blipFill>
+        <p:spPr>
+          <a:xfrm>
+            <a:off x="0" y="0"/>
+            <a:ext cx="2553136" cy="2466833"/>
+          </a:xfrm>
+          <a:prstGeom prst="rect">
+            <a:avLst/>
+          </a:prstGeom>
+          <a:effectLst>
+            <a:outerShdw dist="50800" sx="1000" sy="1000" algn="ctr" rotWithShape="0">
+              <a:srgbClr val="000000"/>
+            </a:outerShdw>
+            <a:reflection stA="45000" endPos="65000" dist="50800" dir="5400000" sy="-100000" algn="bl" rotWithShape="0"/>
+            <a:softEdge rad="63500"/>
+          </a:effectLst>
+        </p:spPr>
+      </p:pic>
+      <p:sp>
+        <p:nvSpPr>
+          <p:cNvPr id="7" name="Content Placeholder 6"/>
+          <p:cNvSpPr>
+            <a:spLocks noGrp="1"/>
+          </p:cNvSpPr>
+          <p:nvPr>
+            <p:ph idx="1"/>
+          </p:nvPr>
+        </p:nvSpPr>
+        <p:spPr/>
+        <p:txBody>
+          <a:bodyPr/>
+          <a:lstStyle/>
+          <a:p>
+            <a:endParaRPr lang="en-AU"/>
+          </a:p>
+        </p:txBody>
+      </p:sp>
+    </p:spTree>
+    <p:extLst>
+      <p:ext uri="{BB962C8B-B14F-4D97-AF65-F5344CB8AC3E}">
         <p14:creationId xmlns:p14="http://schemas.microsoft.com/office/powerpoint/2010/main" val="1738601373"/>
       </p:ext>
     </p:extLst>
@@ -10130,17 +10207,10 @@
   <p:clrMapOvr>
     <a:masterClrMapping/>
   </p:clrMapOvr>
-  <p:timing>
-    <p:tnLst>
-      <p:par>
-        <p:cTn id="1" dur="indefinite" restart="never" nodeType="tmRoot"/>
-      </p:par>
-    </p:tnLst>
-  </p:timing>
 </p:sld>
 </file>
 
-<file path=ppt/slides/slide11.xml><?xml version="1.0" encoding="utf-8"?>
+<file path=ppt/slides/slide12.xml><?xml version="1.0" encoding="utf-8"?>
 <p:sld xmlns:a="http://schemas.openxmlformats.org/drawingml/2006/main" xmlns:r="http://schemas.openxmlformats.org/officeDocument/2006/relationships" xmlns:p="http://schemas.openxmlformats.org/presentationml/2006/main">
   <p:cSld>
     <p:bg>
@@ -10258,7 +10328,7 @@
           <a:p>
             <a:pPr algn="ctr"/>
             <a:r>
-              <a:rPr lang="en-AU" sz="3200" dirty="0" smtClean="0">
+              <a:rPr lang="en-AU" sz="3200" dirty="0">
                 <a:solidFill>
                   <a:schemeClr val="accent1">
                     <a:lumMod val="75000"/>
@@ -10279,7 +10349,7 @@
           <a:p>
             <a:pPr algn="ctr"/>
             <a:r>
-              <a:rPr lang="en-AU" sz="3200" dirty="0" smtClean="0">
+              <a:rPr lang="en-AU" sz="3200" dirty="0">
                 <a:solidFill>
                   <a:schemeClr val="accent1">
                     <a:lumMod val="75000"/>
@@ -10296,21 +10366,6 @@
               </a:rPr>
               <a:t>Please let us know if you have any questions</a:t>
             </a:r>
-            <a:endParaRPr lang="en-AU" sz="3200" dirty="0">
-              <a:solidFill>
-                <a:schemeClr val="accent1">
-                  <a:lumMod val="75000"/>
-                </a:schemeClr>
-              </a:solidFill>
-              <a:effectLst>
-                <a:outerShdw blurRad="38100" dist="38100" dir="2700000" algn="tl">
-                  <a:srgbClr val="000000">
-                    <a:alpha val="43137"/>
-                  </a:srgbClr>
-                </a:outerShdw>
-              </a:effectLst>
-              <a:latin typeface="Arial Rounded MT Bold" panose="020F0704030504030204" pitchFamily="34" charset="0"/>
-            </a:endParaRPr>
           </a:p>
         </p:txBody>
       </p:sp>
@@ -10324,13 +10379,6 @@
   <p:clrMapOvr>
     <a:masterClrMapping/>
   </p:clrMapOvr>
-  <p:timing>
-    <p:tnLst>
-      <p:par>
-        <p:cTn id="1" dur="indefinite" restart="never" nodeType="tmRoot"/>
-      </p:par>
-    </p:tnLst>
-  </p:timing>
 </p:sld>
 </file>
 
@@ -10403,39 +10451,25 @@
         </p:spPr>
         <p:txBody>
           <a:bodyPr>
-            <a:normAutofit fontScale="92500" lnSpcReduction="10000"/>
+            <a:normAutofit lnSpcReduction="10000"/>
           </a:bodyPr>
           <a:lstStyle/>
           <a:p>
             <a:r>
-              <a:rPr lang="en-AU" dirty="0" smtClean="0"/>
-              <a:t> Women take care a lot of </a:t>
-            </a:r>
-            <a:r>
-              <a:rPr lang="en-AU" u="sng" dirty="0" smtClean="0"/>
-              <a:t>unpaid undervalued unknown </a:t>
-            </a:r>
-            <a:r>
-              <a:rPr lang="en-AU" dirty="0" smtClean="0"/>
-              <a:t> roles</a:t>
+              <a:rPr lang="en-AU" dirty="0"/>
+              <a:t>Women are informally employed to perform tasks which do not return $$</a:t>
             </a:r>
           </a:p>
           <a:p>
             <a:r>
-              <a:rPr lang="en-AU" dirty="0" smtClean="0"/>
-              <a:t>Women have different approach to $$$ than men: $$$ is the mean to reach the end goal, not the goal itself. </a:t>
+              <a:rPr lang="en-AU" dirty="0"/>
+              <a:t>Women tend to give (spend on others/family) and not save for herself</a:t>
             </a:r>
           </a:p>
           <a:p>
             <a:r>
-              <a:rPr lang="en-AU" dirty="0" smtClean="0"/>
-              <a:t>Women’s nature: love to give, scare to receive. </a:t>
-            </a:r>
-          </a:p>
-          <a:p>
-            <a:r>
-              <a:rPr lang="en-AU" dirty="0" smtClean="0"/>
-              <a:t>Statistically, women live longer than men =&gt; not enough saving for retirement</a:t>
+              <a:rPr lang="en-AU" dirty="0"/>
+              <a:t>Women are at risk financially in the event of accidents and sudden loss of main source of income (e.g., husband)</a:t>
             </a:r>
           </a:p>
         </p:txBody>
@@ -10533,13 +10567,13 @@
               <a:buNone/>
             </a:pPr>
             <a:r>
-              <a:rPr lang="en-AU" dirty="0" smtClean="0">
+              <a:rPr lang="en-AU" dirty="0">
                 <a:solidFill>
                   <a:srgbClr val="0070C0"/>
                 </a:solidFill>
                 <a:latin typeface="Arial Rounded MT Bold" panose="020F0704030504030204" pitchFamily="34" charset="0"/>
               </a:rPr>
-              <a:t>What is the problems? </a:t>
+              <a:t>What are the problems? </a:t>
             </a:r>
           </a:p>
           <a:p>
@@ -10547,7 +10581,7 @@
               <a:buNone/>
             </a:pPr>
             <a:r>
-              <a:rPr lang="en-AU" dirty="0" smtClean="0">
+              <a:rPr lang="en-AU" dirty="0">
                 <a:solidFill>
                   <a:srgbClr val="0070C0"/>
                 </a:solidFill>
@@ -10568,13 +10602,13 @@
   <p:clrMapOvr>
     <a:masterClrMapping/>
   </p:clrMapOvr>
-  <mc:AlternateContent xmlns:mc="http://schemas.openxmlformats.org/markup-compatibility/2006">
-    <mc:Choice xmlns:p14="http://schemas.microsoft.com/office/powerpoint/2010/main" Requires="p14">
+  <mc:AlternateContent xmlns:mc="http://schemas.openxmlformats.org/markup-compatibility/2006" xmlns:p14="http://schemas.microsoft.com/office/powerpoint/2010/main">
+    <mc:Choice Requires="p14">
       <p:transition spd="slow" p14:dur="1500">
         <p:split orient="vert"/>
       </p:transition>
     </mc:Choice>
-    <mc:Fallback>
+    <mc:Fallback xmlns="">
       <p:transition spd="slow">
         <p:split orient="vert"/>
       </p:transition>
@@ -10897,109 +10931,6 @@
                       </p:childTnLst>
                     </p:cTn>
                   </p:par>
-                  <p:par>
-                    <p:cTn id="21" fill="hold">
-                      <p:stCondLst>
-                        <p:cond delay="indefinite"/>
-                      </p:stCondLst>
-                      <p:childTnLst>
-                        <p:par>
-                          <p:cTn id="22" fill="hold">
-                            <p:stCondLst>
-                              <p:cond delay="0"/>
-                            </p:stCondLst>
-                            <p:childTnLst>
-                              <p:par>
-                                <p:cTn id="23" presetID="2" presetClass="entr" presetSubtype="4" fill="hold" grpId="0" nodeType="clickEffect">
-                                  <p:stCondLst>
-                                    <p:cond delay="0"/>
-                                  </p:stCondLst>
-                                  <p:childTnLst>
-                                    <p:set>
-                                      <p:cBhvr>
-                                        <p:cTn id="24" dur="1" fill="hold">
-                                          <p:stCondLst>
-                                            <p:cond delay="0"/>
-                                          </p:stCondLst>
-                                        </p:cTn>
-                                        <p:tgtEl>
-                                          <p:spTgt spid="8">
-                                            <p:txEl>
-                                              <p:pRg st="3" end="3"/>
-                                            </p:txEl>
-                                          </p:spTgt>
-                                        </p:tgtEl>
-                                        <p:attrNameLst>
-                                          <p:attrName>style.visibility</p:attrName>
-                                        </p:attrNameLst>
-                                      </p:cBhvr>
-                                      <p:to>
-                                        <p:strVal val="visible"/>
-                                      </p:to>
-                                    </p:set>
-                                    <p:anim calcmode="lin" valueType="num">
-                                      <p:cBhvr additive="base">
-                                        <p:cTn id="25" dur="500" fill="hold"/>
-                                        <p:tgtEl>
-                                          <p:spTgt spid="8">
-                                            <p:txEl>
-                                              <p:pRg st="3" end="3"/>
-                                            </p:txEl>
-                                          </p:spTgt>
-                                        </p:tgtEl>
-                                        <p:attrNameLst>
-                                          <p:attrName>ppt_x</p:attrName>
-                                        </p:attrNameLst>
-                                      </p:cBhvr>
-                                      <p:tavLst>
-                                        <p:tav tm="0">
-                                          <p:val>
-                                            <p:strVal val="#ppt_x"/>
-                                          </p:val>
-                                        </p:tav>
-                                        <p:tav tm="100000">
-                                          <p:val>
-                                            <p:strVal val="#ppt_x"/>
-                                          </p:val>
-                                        </p:tav>
-                                      </p:tavLst>
-                                    </p:anim>
-                                    <p:anim calcmode="lin" valueType="num">
-                                      <p:cBhvr additive="base">
-                                        <p:cTn id="26" dur="500" fill="hold"/>
-                                        <p:tgtEl>
-                                          <p:spTgt spid="8">
-                                            <p:txEl>
-                                              <p:pRg st="3" end="3"/>
-                                            </p:txEl>
-                                          </p:spTgt>
-                                        </p:tgtEl>
-                                        <p:attrNameLst>
-                                          <p:attrName>ppt_y</p:attrName>
-                                        </p:attrNameLst>
-                                      </p:cBhvr>
-                                      <p:tavLst>
-                                        <p:tav tm="0">
-                                          <p:val>
-                                            <p:strVal val="1+#ppt_h/2"/>
-                                          </p:val>
-                                        </p:tav>
-                                        <p:tav tm="100000">
-                                          <p:val>
-                                            <p:strVal val="#ppt_y"/>
-                                          </p:val>
-                                        </p:tav>
-                                      </p:tavLst>
-                                    </p:anim>
-                                  </p:childTnLst>
-                                </p:cTn>
-                              </p:par>
-                            </p:childTnLst>
-                          </p:cTn>
-                        </p:par>
-                      </p:childTnLst>
-                    </p:cTn>
-                  </p:par>
                 </p:childTnLst>
               </p:cTn>
               <p:prevCondLst>
@@ -11097,7 +11028,7 @@
         </p:spPr>
         <p:txBody>
           <a:bodyPr>
-            <a:normAutofit fontScale="92500" lnSpcReduction="10000"/>
+            <a:normAutofit fontScale="85000" lnSpcReduction="20000"/>
           </a:bodyPr>
           <a:lstStyle/>
           <a:p>
@@ -11105,48 +11036,48 @@
               <a:buNone/>
             </a:pPr>
             <a:r>
-              <a:rPr lang="en-AU" dirty="0" smtClean="0"/>
+              <a:rPr lang="en-AU" dirty="0"/>
               <a:t>What are we trying to solve?</a:t>
             </a:r>
           </a:p>
           <a:p>
             <a:r>
-              <a:rPr lang="en-AU" dirty="0" smtClean="0"/>
-              <a:t>Get women in low paying jobs or full-time housewives in developing countries starting a habit of $</a:t>
+              <a:rPr lang="en-AU" dirty="0"/>
+              <a:t>Encourage women in low paying and informal employment or full-time housewives </a:t>
             </a:r>
             <a:r>
-              <a:rPr lang="en-AU" dirty="0" err="1" smtClean="0"/>
+              <a:rPr lang="en-AU" dirty="0" err="1"/>
+              <a:t>manging</a:t>
+            </a:r>
+            <a:r>
+              <a:rPr lang="en-AU" dirty="0"/>
+              <a:t> household finances in developing countries to starting a habit of $</a:t>
+            </a:r>
+            <a:r>
+              <a:rPr lang="en-AU" dirty="0" err="1"/>
               <a:t>aving</a:t>
             </a:r>
             <a:r>
-              <a:rPr lang="en-AU" dirty="0" smtClean="0"/>
+              <a:rPr lang="en-AU" dirty="0"/>
               <a:t> on her own. </a:t>
             </a:r>
           </a:p>
           <a:p>
             <a:r>
-              <a:rPr lang="en-AU" dirty="0" smtClean="0"/>
-              <a:t>Help them to set up bank accounts and financial records in case she needs.</a:t>
+              <a:rPr lang="en-AU" dirty="0"/>
+              <a:t>Help women get access to formal financial institutions and their services</a:t>
             </a:r>
           </a:p>
           <a:p>
             <a:r>
-              <a:rPr lang="en-AU" dirty="0" smtClean="0"/>
-              <a:t>Help more women learning about digital $</a:t>
-            </a:r>
-            <a:r>
-              <a:rPr lang="en-AU" dirty="0" err="1" smtClean="0"/>
-              <a:t>aving</a:t>
-            </a:r>
-            <a:r>
-              <a:rPr lang="en-AU" dirty="0" smtClean="0"/>
-              <a:t> platform.</a:t>
+              <a:rPr lang="en-AU" dirty="0"/>
+              <a:t>Provide an indicator of financial credentials to back them up for future entrepreneurship.</a:t>
             </a:r>
           </a:p>
           <a:p>
             <a:r>
-              <a:rPr lang="en-AU" dirty="0" smtClean="0"/>
-              <a:t>Potentially create her self-confidence and build supportive community around her. </a:t>
+              <a:rPr lang="en-AU" dirty="0"/>
+              <a:t>Create her self-confidence and build a supportive community around her. </a:t>
             </a:r>
           </a:p>
         </p:txBody>
@@ -12032,27 +11963,136 @@
         </p:nvSpPr>
         <p:spPr>
           <a:xfrm>
-            <a:off x="2881422" y="1800228"/>
+            <a:off x="2865473" y="1800228"/>
             <a:ext cx="8472377" cy="4376735"/>
           </a:xfrm>
         </p:spPr>
         <p:txBody>
-          <a:bodyPr/>
+          <a:bodyPr>
+            <a:normAutofit fontScale="47500" lnSpcReduction="20000"/>
+          </a:bodyPr>
           <a:lstStyle/>
           <a:p>
+            <a:pPr marL="0" indent="0">
+              <a:buNone/>
+            </a:pPr>
             <a:r>
-              <a:rPr lang="en-AU" dirty="0" smtClean="0"/>
-              <a:t>Demonstration by Mervyn and </a:t>
+              <a:rPr lang="en-AU" u="sng" dirty="0"/>
+              <a:t>Features</a:t>
+            </a:r>
+          </a:p>
+          <a:p>
+            <a:pPr marL="0" indent="0">
+              <a:buNone/>
+            </a:pPr>
+            <a:r>
+              <a:rPr lang="en-AU" i="1" dirty="0"/>
+              <a:t>Account Registration</a:t>
+            </a:r>
+          </a:p>
+          <a:p>
+            <a:r>
+              <a:rPr lang="en-AU" dirty="0"/>
+              <a:t>Link bank account</a:t>
+            </a:r>
+          </a:p>
+          <a:p>
+            <a:r>
+              <a:rPr lang="en-AU" dirty="0"/>
+              <a:t>Create bank account (via bank)</a:t>
+            </a:r>
+          </a:p>
+          <a:p>
+            <a:pPr marL="0" indent="0">
+              <a:buNone/>
+            </a:pPr>
+            <a:endParaRPr lang="en-AU" dirty="0"/>
+          </a:p>
+          <a:p>
+            <a:pPr marL="0" indent="0">
+              <a:buNone/>
+            </a:pPr>
+            <a:r>
+              <a:rPr lang="en-AU" i="1" dirty="0"/>
+              <a:t>Financial Planning</a:t>
+            </a:r>
+          </a:p>
+          <a:p>
+            <a:r>
+              <a:rPr lang="en-AU" dirty="0"/>
+              <a:t>Set up saving goals</a:t>
+            </a:r>
+          </a:p>
+          <a:p>
+            <a:r>
+              <a:rPr lang="en-AU" dirty="0"/>
+              <a:t>Track achievements</a:t>
+            </a:r>
+          </a:p>
+          <a:p>
+            <a:r>
+              <a:rPr lang="en-AU" dirty="0"/>
+              <a:t>Assist/Encourage users to save</a:t>
+            </a:r>
+          </a:p>
+          <a:p>
+            <a:pPr marL="0" indent="0">
+              <a:buNone/>
+            </a:pPr>
+            <a:endParaRPr lang="en-AU" dirty="0"/>
+          </a:p>
+          <a:p>
+            <a:pPr marL="0" indent="0">
+              <a:buNone/>
+            </a:pPr>
+            <a:r>
+              <a:rPr lang="en-AU" i="1" dirty="0"/>
+              <a:t>Financial Analysis</a:t>
+            </a:r>
+          </a:p>
+          <a:p>
+            <a:pPr marL="0" indent="0">
+              <a:buNone/>
+            </a:pPr>
+            <a:r>
+              <a:rPr lang="en-AU" b="1" dirty="0"/>
+              <a:t>*$</a:t>
             </a:r>
             <a:r>
-              <a:rPr lang="en-AU" dirty="0" err="1" smtClean="0"/>
-              <a:t>Krupa</a:t>
+              <a:rPr lang="en-AU" b="1" dirty="0" err="1"/>
+              <a:t>ave</a:t>
             </a:r>
             <a:r>
-              <a:rPr lang="en-AU" dirty="0" smtClean="0"/>
-              <a:t> .</a:t>
+              <a:rPr lang="en-AU" b="1" dirty="0"/>
+              <a:t> Index – Measuring the user’s ability to save</a:t>
             </a:r>
+          </a:p>
+          <a:p>
+            <a:pPr marL="0" indent="0">
+              <a:buNone/>
+            </a:pPr>
             <a:endParaRPr lang="en-AU" dirty="0"/>
+          </a:p>
+          <a:p>
+            <a:pPr marL="0" indent="0">
+              <a:buNone/>
+            </a:pPr>
+            <a:r>
+              <a:rPr lang="en-AU" i="1" dirty="0"/>
+              <a:t>Rewards System</a:t>
+            </a:r>
+          </a:p>
+          <a:p>
+            <a:r>
+              <a:rPr lang="en-AU" dirty="0"/>
+              <a:t>Grant leaders in the savings board additional reward points</a:t>
+            </a:r>
+          </a:p>
+          <a:p>
+            <a:r>
+              <a:rPr lang="en-AU" dirty="0"/>
+              <a:t>Grant users reward points for collectively saving with other family members / friends</a:t>
+            </a:r>
           </a:p>
         </p:txBody>
       </p:sp>
@@ -12080,7 +12120,7 @@
           <a:p>
             <a:pPr algn="ctr"/>
             <a:r>
-              <a:rPr lang="en-US" sz="3200" b="1" dirty="0" smtClean="0">
+              <a:rPr lang="en-US" sz="3200" b="1" dirty="0">
                 <a:ln w="12700">
                   <a:solidFill>
                     <a:schemeClr val="accent5"/>
@@ -12091,7 +12131,35 @@
                   <a:srgbClr val="0070C0"/>
                 </a:solidFill>
               </a:rPr>
-              <a:t>How does the Game App work?</a:t>
+              <a:t>How does $</a:t>
+            </a:r>
+            <a:r>
+              <a:rPr lang="en-US" sz="3200" b="1" dirty="0" err="1">
+                <a:ln w="12700">
+                  <a:solidFill>
+                    <a:schemeClr val="accent5"/>
+                  </a:solidFill>
+                  <a:prstDash val="solid"/>
+                </a:ln>
+                <a:solidFill>
+                  <a:srgbClr val="0070C0"/>
+                </a:solidFill>
+              </a:rPr>
+              <a:t>ave$afe</a:t>
+            </a:r>
+            <a:r>
+              <a:rPr lang="en-US" sz="3200" b="1" dirty="0">
+                <a:ln w="12700">
+                  <a:solidFill>
+                    <a:schemeClr val="accent5"/>
+                  </a:solidFill>
+                  <a:prstDash val="solid"/>
+                </a:ln>
+                <a:solidFill>
+                  <a:srgbClr val="0070C0"/>
+                </a:solidFill>
+              </a:rPr>
+              <a:t> App work?</a:t>
             </a:r>
           </a:p>
           <a:p>
@@ -12118,6 +12186,257 @@
           </a:p>
         </p:txBody>
       </p:sp>
+      <p:pic>
+        <p:nvPicPr>
+          <p:cNvPr id="6" name="Picture 5"/>
+          <p:cNvPicPr>
+            <a:picLocks noChangeAspect="1"/>
+          </p:cNvPicPr>
+          <p:nvPr/>
+        </p:nvPicPr>
+        <p:blipFill>
+          <a:blip r:embed="rId4"/>
+          <a:stretch>
+            <a:fillRect/>
+          </a:stretch>
+        </p:blipFill>
+        <p:spPr>
+          <a:xfrm>
+            <a:off x="117813" y="3184452"/>
+            <a:ext cx="2435323" cy="3391786"/>
+          </a:xfrm>
+          <a:prstGeom prst="rect">
+            <a:avLst/>
+          </a:prstGeom>
+        </p:spPr>
+      </p:pic>
+      <p:pic>
+        <p:nvPicPr>
+          <p:cNvPr id="1026" name="Picture 2" descr="Image result for angularjs logo"/>
+          <p:cNvPicPr>
+            <a:picLocks noChangeAspect="1" noChangeArrowheads="1"/>
+          </p:cNvPicPr>
+          <p:nvPr/>
+        </p:nvPicPr>
+        <p:blipFill rotWithShape="1">
+          <a:blip r:embed="rId5" cstate="print">
+            <a:extLst>
+              <a:ext uri="{28A0092B-C50C-407E-A947-70E740481C1C}">
+                <a14:useLocalDpi xmlns:a14="http://schemas.microsoft.com/office/drawing/2010/main" val="0"/>
+              </a:ext>
+            </a:extLst>
+          </a:blip>
+          <a:srcRect b="50000"/>
+          <a:stretch/>
+        </p:blipFill>
+        <p:spPr bwMode="auto">
+          <a:xfrm>
+            <a:off x="9942164" y="4105702"/>
+            <a:ext cx="1508382" cy="518288"/>
+          </a:xfrm>
+          <a:prstGeom prst="rect">
+            <a:avLst/>
+          </a:prstGeom>
+          <a:noFill/>
+          <a:extLst>
+            <a:ext uri="{909E8E84-426E-40DD-AFC4-6F175D3DCCD1}">
+              <a14:hiddenFill xmlns:a14="http://schemas.microsoft.com/office/drawing/2010/main">
+                <a:solidFill>
+                  <a:srgbClr val="FFFFFF"/>
+                </a:solidFill>
+              </a14:hiddenFill>
+            </a:ext>
+          </a:extLst>
+        </p:spPr>
+      </p:pic>
+      <p:pic>
+        <p:nvPicPr>
+          <p:cNvPr id="1028" name="Picture 4" descr="Image result for android"/>
+          <p:cNvPicPr>
+            <a:picLocks noChangeAspect="1" noChangeArrowheads="1"/>
+          </p:cNvPicPr>
+          <p:nvPr/>
+        </p:nvPicPr>
+        <p:blipFill>
+          <a:blip r:embed="rId6" cstate="print">
+            <a:extLst>
+              <a:ext uri="{28A0092B-C50C-407E-A947-70E740481C1C}">
+                <a14:useLocalDpi xmlns:a14="http://schemas.microsoft.com/office/drawing/2010/main" val="0"/>
+              </a:ext>
+            </a:extLst>
+          </a:blip>
+          <a:srcRect/>
+          <a:stretch>
+            <a:fillRect/>
+          </a:stretch>
+        </p:blipFill>
+        <p:spPr bwMode="auto">
+          <a:xfrm>
+            <a:off x="9942164" y="1622225"/>
+            <a:ext cx="687498" cy="686703"/>
+          </a:xfrm>
+          <a:prstGeom prst="rect">
+            <a:avLst/>
+          </a:prstGeom>
+          <a:noFill/>
+          <a:extLst>
+            <a:ext uri="{909E8E84-426E-40DD-AFC4-6F175D3DCCD1}">
+              <a14:hiddenFill xmlns:a14="http://schemas.microsoft.com/office/drawing/2010/main">
+                <a:solidFill>
+                  <a:srgbClr val="FFFFFF"/>
+                </a:solidFill>
+              </a14:hiddenFill>
+            </a:ext>
+          </a:extLst>
+        </p:spPr>
+      </p:pic>
+      <p:pic>
+        <p:nvPicPr>
+          <p:cNvPr id="1032" name="Picture 8" descr="Image result for ios"/>
+          <p:cNvPicPr>
+            <a:picLocks noChangeAspect="1" noChangeArrowheads="1"/>
+          </p:cNvPicPr>
+          <p:nvPr/>
+        </p:nvPicPr>
+        <p:blipFill>
+          <a:blip r:embed="rId7" cstate="print">
+            <a:extLst>
+              <a:ext uri="{28A0092B-C50C-407E-A947-70E740481C1C}">
+                <a14:useLocalDpi xmlns:a14="http://schemas.microsoft.com/office/drawing/2010/main" val="0"/>
+              </a:ext>
+            </a:extLst>
+          </a:blip>
+          <a:srcRect/>
+          <a:stretch>
+            <a:fillRect/>
+          </a:stretch>
+        </p:blipFill>
+        <p:spPr bwMode="auto">
+          <a:xfrm>
+            <a:off x="10755109" y="1615363"/>
+            <a:ext cx="695437" cy="695437"/>
+          </a:xfrm>
+          <a:prstGeom prst="rect">
+            <a:avLst/>
+          </a:prstGeom>
+          <a:noFill/>
+          <a:extLst>
+            <a:ext uri="{909E8E84-426E-40DD-AFC4-6F175D3DCCD1}">
+              <a14:hiddenFill xmlns:a14="http://schemas.microsoft.com/office/drawing/2010/main">
+                <a:solidFill>
+                  <a:srgbClr val="FFFFFF"/>
+                </a:solidFill>
+              </a14:hiddenFill>
+            </a:ext>
+          </a:extLst>
+        </p:spPr>
+      </p:pic>
+      <p:pic>
+        <p:nvPicPr>
+          <p:cNvPr id="1036" name="Picture 12" descr="Image result for php logo"/>
+          <p:cNvPicPr>
+            <a:picLocks noChangeAspect="1" noChangeArrowheads="1"/>
+          </p:cNvPicPr>
+          <p:nvPr/>
+        </p:nvPicPr>
+        <p:blipFill>
+          <a:blip r:embed="rId8" cstate="print">
+            <a:extLst>
+              <a:ext uri="{28A0092B-C50C-407E-A947-70E740481C1C}">
+                <a14:useLocalDpi xmlns:a14="http://schemas.microsoft.com/office/drawing/2010/main" val="0"/>
+              </a:ext>
+            </a:extLst>
+          </a:blip>
+          <a:srcRect/>
+          <a:stretch>
+            <a:fillRect/>
+          </a:stretch>
+        </p:blipFill>
+        <p:spPr bwMode="auto">
+          <a:xfrm>
+            <a:off x="9246727" y="4801993"/>
+            <a:ext cx="1508382" cy="814526"/>
+          </a:xfrm>
+          <a:prstGeom prst="rect">
+            <a:avLst/>
+          </a:prstGeom>
+          <a:noFill/>
+          <a:extLst>
+            <a:ext uri="{909E8E84-426E-40DD-AFC4-6F175D3DCCD1}">
+              <a14:hiddenFill xmlns:a14="http://schemas.microsoft.com/office/drawing/2010/main">
+                <a:solidFill>
+                  <a:srgbClr val="FFFFFF"/>
+                </a:solidFill>
+              </a14:hiddenFill>
+            </a:ext>
+          </a:extLst>
+        </p:spPr>
+      </p:pic>
+      <p:pic>
+        <p:nvPicPr>
+          <p:cNvPr id="1048" name="Picture 24" descr="Related image"/>
+          <p:cNvPicPr>
+            <a:picLocks noChangeAspect="1" noChangeArrowheads="1"/>
+          </p:cNvPicPr>
+          <p:nvPr/>
+        </p:nvPicPr>
+        <p:blipFill>
+          <a:blip r:embed="rId9" cstate="print">
+            <a:extLst>
+              <a:ext uri="{28A0092B-C50C-407E-A947-70E740481C1C}">
+                <a14:useLocalDpi xmlns:a14="http://schemas.microsoft.com/office/drawing/2010/main" val="0"/>
+              </a:ext>
+            </a:extLst>
+          </a:blip>
+          <a:srcRect/>
+          <a:stretch>
+            <a:fillRect/>
+          </a:stretch>
+        </p:blipFill>
+        <p:spPr bwMode="auto">
+          <a:xfrm>
+            <a:off x="9942164" y="2429493"/>
+            <a:ext cx="1508382" cy="1508382"/>
+          </a:xfrm>
+          <a:prstGeom prst="rect">
+            <a:avLst/>
+          </a:prstGeom>
+          <a:noFill/>
+          <a:extLst>
+            <a:ext uri="{909E8E84-426E-40DD-AFC4-6F175D3DCCD1}">
+              <a14:hiddenFill xmlns:a14="http://schemas.microsoft.com/office/drawing/2010/main">
+                <a:solidFill>
+                  <a:srgbClr val="FFFFFF"/>
+                </a:solidFill>
+              </a14:hiddenFill>
+            </a:ext>
+          </a:extLst>
+        </p:spPr>
+      </p:pic>
+      <p:pic>
+        <p:nvPicPr>
+          <p:cNvPr id="17" name="Picture 16"/>
+          <p:cNvPicPr>
+            <a:picLocks noChangeAspect="1"/>
+          </p:cNvPicPr>
+          <p:nvPr/>
+        </p:nvPicPr>
+        <p:blipFill>
+          <a:blip r:embed="rId10"/>
+          <a:stretch>
+            <a:fillRect/>
+          </a:stretch>
+        </p:blipFill>
+        <p:spPr>
+          <a:xfrm rot="16200000">
+            <a:off x="7685410" y="2603116"/>
+            <a:ext cx="3001765" cy="1039982"/>
+          </a:xfrm>
+          <a:prstGeom prst="rect">
+            <a:avLst/>
+          </a:prstGeom>
+        </p:spPr>
+      </p:pic>
     </p:spTree>
     <p:extLst>
       <p:ext uri="{BB962C8B-B14F-4D97-AF65-F5344CB8AC3E}">
@@ -12131,13 +12450,6 @@
   <p:transition spd="slow">
     <p:randomBar dir="vert"/>
   </p:transition>
-  <p:timing>
-    <p:tnLst>
-      <p:par>
-        <p:cTn id="1" dur="indefinite" restart="never" nodeType="tmRoot"/>
-      </p:par>
-    </p:tnLst>
-  </p:timing>
 </p:sld>
 </file>
 
@@ -12255,7 +12567,77 @@
           <a:bodyPr/>
           <a:lstStyle/>
           <a:p>
+            <a:r>
+              <a:rPr lang="en-AU" dirty="0"/>
+              <a:t>Our proprietary $</a:t>
+            </a:r>
+            <a:r>
+              <a:rPr lang="en-AU" dirty="0" err="1"/>
+              <a:t>aving</a:t>
+            </a:r>
+            <a:r>
+              <a:rPr lang="en-AU" dirty="0"/>
+              <a:t> Index</a:t>
+            </a:r>
+          </a:p>
+          <a:p>
+            <a:pPr lvl="1"/>
+            <a:r>
+              <a:rPr lang="en-AU" dirty="0"/>
+              <a:t>Primary data </a:t>
+            </a:r>
+            <a:r>
+              <a:rPr lang="en-AU" dirty="0" err="1"/>
+              <a:t>depency</a:t>
+            </a:r>
+            <a:r>
+              <a:rPr lang="en-AU" dirty="0"/>
+              <a:t> – User’s account balance</a:t>
+            </a:r>
+          </a:p>
+          <a:p>
+            <a:pPr lvl="1"/>
+            <a:r>
+              <a:rPr lang="en-AU" dirty="0"/>
+              <a:t>Two indices:</a:t>
+            </a:r>
+          </a:p>
+          <a:p>
+            <a:pPr lvl="2"/>
+            <a:r>
+              <a:rPr lang="en-AU" dirty="0"/>
+              <a:t>% change of daily balance across a period of base days (configurable)</a:t>
+            </a:r>
+          </a:p>
+          <a:p>
+            <a:pPr lvl="2"/>
+            <a:r>
+              <a:rPr lang="en-AU" dirty="0"/>
+              <a:t>% change of increment in the daily balance across the same period</a:t>
+            </a:r>
+          </a:p>
+          <a:p>
             <a:endParaRPr lang="en-AU" dirty="0"/>
+          </a:p>
+          <a:p>
+            <a:r>
+              <a:rPr lang="en-AU" dirty="0"/>
+              <a:t>Benefits:</a:t>
+            </a:r>
+          </a:p>
+          <a:p>
+            <a:pPr lvl="1"/>
+            <a:r>
+              <a:rPr lang="en-AU" dirty="0"/>
+              <a:t>Encourage consistent savings - detect spikes in the account balance if a user attempts to cheat the rewards system</a:t>
+            </a:r>
+          </a:p>
+          <a:p>
+            <a:pPr lvl="1"/>
+            <a:r>
+              <a:rPr lang="en-AU" dirty="0"/>
+              <a:t>Potentially can be used by microfinancing companies to assess the credit worthiness / financial savviness for loans</a:t>
+            </a:r>
           </a:p>
         </p:txBody>
       </p:sp>
@@ -12283,7 +12665,7 @@
           <a:p>
             <a:pPr algn="ctr"/>
             <a:r>
-              <a:rPr lang="en-US" sz="3200" b="1" dirty="0" smtClean="0">
+              <a:rPr lang="en-US" sz="3200" b="1" dirty="0">
                 <a:ln w="12700">
                   <a:solidFill>
                     <a:schemeClr val="accent5"/>
@@ -12331,29 +12713,171 @@
   <p:clrMapOvr>
     <a:masterClrMapping/>
   </p:clrMapOvr>
-  <mc:AlternateContent xmlns:mc="http://schemas.openxmlformats.org/markup-compatibility/2006">
-    <mc:Choice xmlns:p14="http://schemas.microsoft.com/office/powerpoint/2010/main" Requires="p14">
+  <mc:AlternateContent xmlns:mc="http://schemas.openxmlformats.org/markup-compatibility/2006" xmlns:p14="http://schemas.microsoft.com/office/powerpoint/2010/main">
+    <mc:Choice Requires="p14">
       <p:transition spd="slow" p14:dur="1400">
         <p14:doors dir="vert"/>
       </p:transition>
     </mc:Choice>
-    <mc:Fallback>
+    <mc:Fallback xmlns="">
       <p:transition spd="slow">
         <p:fade/>
       </p:transition>
     </mc:Fallback>
   </mc:AlternateContent>
-  <p:timing>
-    <p:tnLst>
-      <p:par>
-        <p:cTn id="1" dur="indefinite" restart="never" nodeType="tmRoot"/>
-      </p:par>
-    </p:tnLst>
-  </p:timing>
 </p:sld>
 </file>
 
 <file path=ppt/slides/slide6.xml><?xml version="1.0" encoding="utf-8"?>
+<p:sld xmlns:a="http://schemas.openxmlformats.org/drawingml/2006/main" xmlns:r="http://schemas.openxmlformats.org/officeDocument/2006/relationships" xmlns:p="http://schemas.openxmlformats.org/presentationml/2006/main">
+  <p:cSld>
+    <p:bg>
+      <p:bgPr>
+        <a:gradFill>
+          <a:gsLst>
+            <a:gs pos="0">
+              <a:schemeClr val="accent1">
+                <a:lumMod val="5000"/>
+                <a:lumOff val="95000"/>
+              </a:schemeClr>
+            </a:gs>
+            <a:gs pos="74000">
+              <a:schemeClr val="accent1">
+                <a:lumMod val="45000"/>
+                <a:lumOff val="55000"/>
+              </a:schemeClr>
+            </a:gs>
+            <a:gs pos="83000">
+              <a:schemeClr val="accent1">
+                <a:lumMod val="45000"/>
+                <a:lumOff val="55000"/>
+              </a:schemeClr>
+            </a:gs>
+            <a:gs pos="100000">
+              <a:schemeClr val="accent1">
+                <a:lumMod val="30000"/>
+                <a:lumOff val="70000"/>
+              </a:schemeClr>
+            </a:gs>
+          </a:gsLst>
+          <a:lin ang="5400000" scaled="1"/>
+        </a:gradFill>
+        <a:effectLst/>
+      </p:bgPr>
+    </p:bg>
+    <p:spTree>
+      <p:nvGrpSpPr>
+        <p:cNvPr id="1" name=""/>
+        <p:cNvGrpSpPr/>
+        <p:nvPr/>
+      </p:nvGrpSpPr>
+      <p:grpSpPr>
+        <a:xfrm>
+          <a:off x="0" y="0"/>
+          <a:ext cx="0" cy="0"/>
+          <a:chOff x="0" y="0"/>
+          <a:chExt cx="0" cy="0"/>
+        </a:xfrm>
+      </p:grpSpPr>
+      <p:pic>
+        <p:nvPicPr>
+          <p:cNvPr id="5" name="Picture 4"/>
+          <p:cNvPicPr>
+            <a:picLocks noChangeAspect="1"/>
+          </p:cNvPicPr>
+          <p:nvPr/>
+        </p:nvPicPr>
+        <p:blipFill>
+          <a:blip r:embed="rId2">
+            <a:extLst>
+              <a:ext uri="{BEBA8EAE-BF5A-486C-A8C5-ECC9F3942E4B}">
+                <a14:imgProps xmlns:a14="http://schemas.microsoft.com/office/drawing/2010/main">
+                  <a14:imgLayer r:embed="rId3">
+                    <a14:imgEffect>
+                      <a14:sharpenSoften amount="50000"/>
+                    </a14:imgEffect>
+                  </a14:imgLayer>
+                </a14:imgProps>
+              </a:ext>
+            </a:extLst>
+          </a:blip>
+          <a:stretch>
+            <a:fillRect/>
+          </a:stretch>
+        </p:blipFill>
+        <p:spPr>
+          <a:xfrm>
+            <a:off x="0" y="0"/>
+            <a:ext cx="2553136" cy="2466833"/>
+          </a:xfrm>
+          <a:prstGeom prst="rect">
+            <a:avLst/>
+          </a:prstGeom>
+          <a:effectLst>
+            <a:outerShdw dist="50800" sx="1000" sy="1000" algn="ctr" rotWithShape="0">
+              <a:srgbClr val="000000"/>
+            </a:outerShdw>
+            <a:reflection stA="45000" endPos="65000" dist="50800" dir="5400000" sy="-100000" algn="bl" rotWithShape="0"/>
+            <a:softEdge rad="63500"/>
+          </a:effectLst>
+        </p:spPr>
+      </p:pic>
+      <p:sp>
+        <p:nvSpPr>
+          <p:cNvPr id="7" name="Content Placeholder 6"/>
+          <p:cNvSpPr>
+            <a:spLocks noGrp="1"/>
+          </p:cNvSpPr>
+          <p:nvPr>
+            <p:ph idx="1"/>
+          </p:nvPr>
+        </p:nvSpPr>
+        <p:spPr>
+          <a:xfrm>
+            <a:off x="2668772" y="1102411"/>
+            <a:ext cx="8685028" cy="4653179"/>
+          </a:xfrm>
+        </p:spPr>
+        <p:txBody>
+          <a:bodyPr anchor="ctr"/>
+          <a:lstStyle/>
+          <a:p>
+            <a:pPr marL="0" indent="0" algn="ctr">
+              <a:buNone/>
+            </a:pPr>
+            <a:r>
+              <a:rPr lang="en-AU" dirty="0"/>
+              <a:t>Thank you</a:t>
+            </a:r>
+          </a:p>
+        </p:txBody>
+      </p:sp>
+    </p:spTree>
+    <p:extLst>
+      <p:ext uri="{BB962C8B-B14F-4D97-AF65-F5344CB8AC3E}">
+        <p14:creationId xmlns:p14="http://schemas.microsoft.com/office/powerpoint/2010/main" val="1225250368"/>
+      </p:ext>
+    </p:extLst>
+  </p:cSld>
+  <p:clrMapOvr>
+    <a:masterClrMapping/>
+  </p:clrMapOvr>
+  <mc:AlternateContent xmlns:mc="http://schemas.openxmlformats.org/markup-compatibility/2006" xmlns:p14="http://schemas.microsoft.com/office/powerpoint/2010/main">
+    <mc:Choice Requires="p14">
+      <p:transition spd="slow" p14:dur="1400">
+        <p14:doors dir="vert"/>
+      </p:transition>
+    </mc:Choice>
+    <mc:Fallback xmlns="">
+      <p:transition spd="slow">
+        <p:fade/>
+      </p:transition>
+    </mc:Fallback>
+  </mc:AlternateContent>
+</p:sld>
+</file>
+
+<file path=ppt/slides/slide7.xml><?xml version="1.0" encoding="utf-8"?>
 <p:sld xmlns:a="http://schemas.openxmlformats.org/drawingml/2006/main" xmlns:r="http://schemas.openxmlformats.org/officeDocument/2006/relationships" xmlns:p="http://schemas.openxmlformats.org/presentationml/2006/main">
   <p:cSld>
     <p:bg>
@@ -12482,29 +13006,22 @@
   <p:clrMapOvr>
     <a:masterClrMapping/>
   </p:clrMapOvr>
-  <mc:AlternateContent xmlns:mc="http://schemas.openxmlformats.org/markup-compatibility/2006">
-    <mc:Choice xmlns:p14="http://schemas.microsoft.com/office/powerpoint/2010/main" Requires="p14">
+  <mc:AlternateContent xmlns:mc="http://schemas.openxmlformats.org/markup-compatibility/2006" xmlns:p14="http://schemas.microsoft.com/office/powerpoint/2010/main">
+    <mc:Choice Requires="p14">
       <p:transition spd="slow" p14:dur="4400">
         <p14:honeycomb/>
       </p:transition>
     </mc:Choice>
-    <mc:Fallback>
+    <mc:Fallback xmlns="">
       <p:transition spd="slow">
         <p:fade/>
       </p:transition>
     </mc:Fallback>
   </mc:AlternateContent>
-  <p:timing>
-    <p:tnLst>
-      <p:par>
-        <p:cTn id="1" dur="indefinite" restart="never" nodeType="tmRoot"/>
-      </p:par>
-    </p:tnLst>
-  </p:timing>
 </p:sld>
 </file>
 
-<file path=ppt/slides/slide7.xml><?xml version="1.0" encoding="utf-8"?>
+<file path=ppt/slides/slide8.xml><?xml version="1.0" encoding="utf-8"?>
 <p:sld xmlns:a="http://schemas.openxmlformats.org/drawingml/2006/main" xmlns:r="http://schemas.openxmlformats.org/officeDocument/2006/relationships" xmlns:p="http://schemas.openxmlformats.org/presentationml/2006/main">
   <p:cSld>
     <p:bg>
@@ -12624,13 +13141,55 @@
                 <a:tableStyleId>{5C22544A-7EE6-4342-B048-85BDC9FD1C3A}</a:tableStyleId>
               </a:tblPr>
               <a:tblGrid>
-                <a:gridCol w="955608"/>
-                <a:gridCol w="1292620"/>
-                <a:gridCol w="952451"/>
-                <a:gridCol w="808476"/>
-                <a:gridCol w="1472977"/>
-                <a:gridCol w="2016616"/>
-                <a:gridCol w="1739623"/>
+                <a:gridCol w="955608">
+                  <a:extLst>
+                    <a:ext uri="{9D8B030D-6E8A-4147-A177-3AD203B41FA5}">
+                      <a16:colId xmlns:a16="http://schemas.microsoft.com/office/drawing/2014/main" val="20000"/>
+                    </a:ext>
+                  </a:extLst>
+                </a:gridCol>
+                <a:gridCol w="1292620">
+                  <a:extLst>
+                    <a:ext uri="{9D8B030D-6E8A-4147-A177-3AD203B41FA5}">
+                      <a16:colId xmlns:a16="http://schemas.microsoft.com/office/drawing/2014/main" val="20001"/>
+                    </a:ext>
+                  </a:extLst>
+                </a:gridCol>
+                <a:gridCol w="952451">
+                  <a:extLst>
+                    <a:ext uri="{9D8B030D-6E8A-4147-A177-3AD203B41FA5}">
+                      <a16:colId xmlns:a16="http://schemas.microsoft.com/office/drawing/2014/main" val="20002"/>
+                    </a:ext>
+                  </a:extLst>
+                </a:gridCol>
+                <a:gridCol w="808476">
+                  <a:extLst>
+                    <a:ext uri="{9D8B030D-6E8A-4147-A177-3AD203B41FA5}">
+                      <a16:colId xmlns:a16="http://schemas.microsoft.com/office/drawing/2014/main" val="20003"/>
+                    </a:ext>
+                  </a:extLst>
+                </a:gridCol>
+                <a:gridCol w="1472977">
+                  <a:extLst>
+                    <a:ext uri="{9D8B030D-6E8A-4147-A177-3AD203B41FA5}">
+                      <a16:colId xmlns:a16="http://schemas.microsoft.com/office/drawing/2014/main" val="20004"/>
+                    </a:ext>
+                  </a:extLst>
+                </a:gridCol>
+                <a:gridCol w="2016616">
+                  <a:extLst>
+                    <a:ext uri="{9D8B030D-6E8A-4147-A177-3AD203B41FA5}">
+                      <a16:colId xmlns:a16="http://schemas.microsoft.com/office/drawing/2014/main" val="20005"/>
+                    </a:ext>
+                  </a:extLst>
+                </a:gridCol>
+                <a:gridCol w="1739623">
+                  <a:extLst>
+                    <a:ext uri="{9D8B030D-6E8A-4147-A177-3AD203B41FA5}">
+                      <a16:colId xmlns:a16="http://schemas.microsoft.com/office/drawing/2014/main" val="20006"/>
+                    </a:ext>
+                  </a:extLst>
+                </a:gridCol>
               </a:tblGrid>
               <a:tr h="384247">
                 <a:tc>
@@ -12817,6 +13376,11 @@
                   </a:txBody>
                   <a:tcPr marL="0" marR="0" marT="0" marB="0" anchor="b"/>
                 </a:tc>
+                <a:extLst>
+                  <a:ext uri="{0D108BD9-81ED-4DB2-BD59-A6C34878D82A}">
+                    <a16:rowId xmlns:a16="http://schemas.microsoft.com/office/drawing/2014/main" val="10000"/>
+                  </a:ext>
+                </a:extLst>
               </a:tr>
               <a:tr h="808243">
                 <a:tc>
@@ -12980,6 +13544,11 @@
                   </a:txBody>
                   <a:tcPr marL="0" marR="0" marT="0" marB="0" anchor="b"/>
                 </a:tc>
+                <a:extLst>
+                  <a:ext uri="{0D108BD9-81ED-4DB2-BD59-A6C34878D82A}">
+                    <a16:rowId xmlns:a16="http://schemas.microsoft.com/office/drawing/2014/main" val="10001"/>
+                  </a:ext>
+                </a:extLst>
               </a:tr>
               <a:tr h="384247">
                 <a:tc>
@@ -13143,6 +13712,11 @@
                   </a:txBody>
                   <a:tcPr marL="0" marR="0" marT="0" marB="0" anchor="b"/>
                 </a:tc>
+                <a:extLst>
+                  <a:ext uri="{0D108BD9-81ED-4DB2-BD59-A6C34878D82A}">
+                    <a16:rowId xmlns:a16="http://schemas.microsoft.com/office/drawing/2014/main" val="10002"/>
+                  </a:ext>
+                </a:extLst>
               </a:tr>
               <a:tr h="384247">
                 <a:tc>
@@ -13306,6 +13880,11 @@
                   </a:txBody>
                   <a:tcPr marL="0" marR="0" marT="0" marB="0" anchor="b"/>
                 </a:tc>
+                <a:extLst>
+                  <a:ext uri="{0D108BD9-81ED-4DB2-BD59-A6C34878D82A}">
+                    <a16:rowId xmlns:a16="http://schemas.microsoft.com/office/drawing/2014/main" val="10003"/>
+                  </a:ext>
+                </a:extLst>
               </a:tr>
               <a:tr h="384247">
                 <a:tc>
@@ -13469,6 +14048,11 @@
                   </a:txBody>
                   <a:tcPr marL="0" marR="0" marT="0" marB="0" anchor="b"/>
                 </a:tc>
+                <a:extLst>
+                  <a:ext uri="{0D108BD9-81ED-4DB2-BD59-A6C34878D82A}">
+                    <a16:rowId xmlns:a16="http://schemas.microsoft.com/office/drawing/2014/main" val="10004"/>
+                  </a:ext>
+                </a:extLst>
               </a:tr>
               <a:tr h="384247">
                 <a:tc>
@@ -13632,6 +14216,11 @@
                   </a:txBody>
                   <a:tcPr marL="0" marR="0" marT="0" marB="0" anchor="b"/>
                 </a:tc>
+                <a:extLst>
+                  <a:ext uri="{0D108BD9-81ED-4DB2-BD59-A6C34878D82A}">
+                    <a16:rowId xmlns:a16="http://schemas.microsoft.com/office/drawing/2014/main" val="10005"/>
+                  </a:ext>
+                </a:extLst>
               </a:tr>
               <a:tr h="384247">
                 <a:tc>
@@ -13795,6 +14384,11 @@
                   </a:txBody>
                   <a:tcPr marL="0" marR="0" marT="0" marB="0" anchor="b"/>
                 </a:tc>
+                <a:extLst>
+                  <a:ext uri="{0D108BD9-81ED-4DB2-BD59-A6C34878D82A}">
+                    <a16:rowId xmlns:a16="http://schemas.microsoft.com/office/drawing/2014/main" val="10006"/>
+                  </a:ext>
+                </a:extLst>
               </a:tr>
               <a:tr h="384247">
                 <a:tc>
@@ -13958,6 +14552,11 @@
                   </a:txBody>
                   <a:tcPr marL="0" marR="0" marT="0" marB="0" anchor="b"/>
                 </a:tc>
+                <a:extLst>
+                  <a:ext uri="{0D108BD9-81ED-4DB2-BD59-A6C34878D82A}">
+                    <a16:rowId xmlns:a16="http://schemas.microsoft.com/office/drawing/2014/main" val="10007"/>
+                  </a:ext>
+                </a:extLst>
               </a:tr>
             </a:tbl>
           </a:graphicData>
@@ -13987,7 +14586,7 @@
           <a:p>
             <a:pPr algn="ctr"/>
             <a:r>
-              <a:rPr lang="en-US" sz="3200" b="1" dirty="0" smtClean="0">
+              <a:rPr lang="en-US" sz="3200" b="1" dirty="0">
                 <a:ln w="12700">
                   <a:solidFill>
                     <a:schemeClr val="accent5"/>
@@ -14050,13 +14649,55 @@
                 <a:tableStyleId>{5C22544A-7EE6-4342-B048-85BDC9FD1C3A}</a:tableStyleId>
               </a:tblPr>
               <a:tblGrid>
-                <a:gridCol w="987506"/>
-                <a:gridCol w="1358472"/>
-                <a:gridCol w="993863"/>
-                <a:gridCol w="843628"/>
-                <a:gridCol w="1537020"/>
-                <a:gridCol w="1918387"/>
-                <a:gridCol w="1537020"/>
+                <a:gridCol w="987506">
+                  <a:extLst>
+                    <a:ext uri="{9D8B030D-6E8A-4147-A177-3AD203B41FA5}">
+                      <a16:colId xmlns:a16="http://schemas.microsoft.com/office/drawing/2014/main" val="20000"/>
+                    </a:ext>
+                  </a:extLst>
+                </a:gridCol>
+                <a:gridCol w="1358472">
+                  <a:extLst>
+                    <a:ext uri="{9D8B030D-6E8A-4147-A177-3AD203B41FA5}">
+                      <a16:colId xmlns:a16="http://schemas.microsoft.com/office/drawing/2014/main" val="20001"/>
+                    </a:ext>
+                  </a:extLst>
+                </a:gridCol>
+                <a:gridCol w="993863">
+                  <a:extLst>
+                    <a:ext uri="{9D8B030D-6E8A-4147-A177-3AD203B41FA5}">
+                      <a16:colId xmlns:a16="http://schemas.microsoft.com/office/drawing/2014/main" val="20002"/>
+                    </a:ext>
+                  </a:extLst>
+                </a:gridCol>
+                <a:gridCol w="843628">
+                  <a:extLst>
+                    <a:ext uri="{9D8B030D-6E8A-4147-A177-3AD203B41FA5}">
+                      <a16:colId xmlns:a16="http://schemas.microsoft.com/office/drawing/2014/main" val="20003"/>
+                    </a:ext>
+                  </a:extLst>
+                </a:gridCol>
+                <a:gridCol w="1537020">
+                  <a:extLst>
+                    <a:ext uri="{9D8B030D-6E8A-4147-A177-3AD203B41FA5}">
+                      <a16:colId xmlns:a16="http://schemas.microsoft.com/office/drawing/2014/main" val="20004"/>
+                    </a:ext>
+                  </a:extLst>
+                </a:gridCol>
+                <a:gridCol w="1918387">
+                  <a:extLst>
+                    <a:ext uri="{9D8B030D-6E8A-4147-A177-3AD203B41FA5}">
+                      <a16:colId xmlns:a16="http://schemas.microsoft.com/office/drawing/2014/main" val="20005"/>
+                    </a:ext>
+                  </a:extLst>
+                </a:gridCol>
+                <a:gridCol w="1537020">
+                  <a:extLst>
+                    <a:ext uri="{9D8B030D-6E8A-4147-A177-3AD203B41FA5}">
+                      <a16:colId xmlns:a16="http://schemas.microsoft.com/office/drawing/2014/main" val="20006"/>
+                    </a:ext>
+                  </a:extLst>
+                </a:gridCol>
               </a:tblGrid>
               <a:tr h="297283">
                 <a:tc>
@@ -14220,6 +14861,11 @@
                   </a:txBody>
                   <a:tcPr marL="0" marR="0" marT="0" marB="0" anchor="b"/>
                 </a:tc>
+                <a:extLst>
+                  <a:ext uri="{0D108BD9-81ED-4DB2-BD59-A6C34878D82A}">
+                    <a16:rowId xmlns:a16="http://schemas.microsoft.com/office/drawing/2014/main" val="10000"/>
+                  </a:ext>
+                </a:extLst>
               </a:tr>
               <a:tr h="297283">
                 <a:tc>
@@ -14383,6 +15029,11 @@
                   </a:txBody>
                   <a:tcPr marL="0" marR="0" marT="0" marB="0" anchor="b"/>
                 </a:tc>
+                <a:extLst>
+                  <a:ext uri="{0D108BD9-81ED-4DB2-BD59-A6C34878D82A}">
+                    <a16:rowId xmlns:a16="http://schemas.microsoft.com/office/drawing/2014/main" val="10001"/>
+                  </a:ext>
+                </a:extLst>
               </a:tr>
               <a:tr h="297283">
                 <a:tc>
@@ -14546,6 +15197,11 @@
                   </a:txBody>
                   <a:tcPr marL="0" marR="0" marT="0" marB="0" anchor="b"/>
                 </a:tc>
+                <a:extLst>
+                  <a:ext uri="{0D108BD9-81ED-4DB2-BD59-A6C34878D82A}">
+                    <a16:rowId xmlns:a16="http://schemas.microsoft.com/office/drawing/2014/main" val="10002"/>
+                  </a:ext>
+                </a:extLst>
               </a:tr>
               <a:tr h="297283">
                 <a:tc>
@@ -14709,6 +15365,11 @@
                   </a:txBody>
                   <a:tcPr marL="0" marR="0" marT="0" marB="0" anchor="b"/>
                 </a:tc>
+                <a:extLst>
+                  <a:ext uri="{0D108BD9-81ED-4DB2-BD59-A6C34878D82A}">
+                    <a16:rowId xmlns:a16="http://schemas.microsoft.com/office/drawing/2014/main" val="10003"/>
+                  </a:ext>
+                </a:extLst>
               </a:tr>
               <a:tr h="297283">
                 <a:tc>
@@ -14872,6 +15533,11 @@
                   </a:txBody>
                   <a:tcPr marL="0" marR="0" marT="0" marB="0" anchor="b"/>
                 </a:tc>
+                <a:extLst>
+                  <a:ext uri="{0D108BD9-81ED-4DB2-BD59-A6C34878D82A}">
+                    <a16:rowId xmlns:a16="http://schemas.microsoft.com/office/drawing/2014/main" val="10004"/>
+                  </a:ext>
+                </a:extLst>
               </a:tr>
             </a:tbl>
           </a:graphicData>
@@ -14887,29 +15553,22 @@
   <p:clrMapOvr>
     <a:masterClrMapping/>
   </p:clrMapOvr>
-  <mc:AlternateContent xmlns:mc="http://schemas.openxmlformats.org/markup-compatibility/2006">
-    <mc:Choice xmlns:p14="http://schemas.microsoft.com/office/powerpoint/2010/main" Requires="p14">
+  <mc:AlternateContent xmlns:mc="http://schemas.openxmlformats.org/markup-compatibility/2006" xmlns:p14="http://schemas.microsoft.com/office/powerpoint/2010/main">
+    <mc:Choice Requires="p14">
       <p:transition spd="slow" p14:dur="2500">
         <p:checker/>
       </p:transition>
     </mc:Choice>
-    <mc:Fallback>
+    <mc:Fallback xmlns="">
       <p:transition spd="slow">
         <p:checker/>
       </p:transition>
     </mc:Fallback>
   </mc:AlternateContent>
-  <p:timing>
-    <p:tnLst>
-      <p:par>
-        <p:cTn id="1" dur="indefinite" restart="never" nodeType="tmRoot"/>
-      </p:par>
-    </p:tnLst>
-  </p:timing>
 </p:sld>
 </file>
 
-<file path=ppt/slides/slide8.xml><?xml version="1.0" encoding="utf-8"?>
+<file path=ppt/slides/slide9.xml><?xml version="1.0" encoding="utf-8"?>
 <p:sld xmlns:a="http://schemas.openxmlformats.org/drawingml/2006/main" xmlns:r="http://schemas.openxmlformats.org/officeDocument/2006/relationships" xmlns:p="http://schemas.openxmlformats.org/presentationml/2006/main">
   <p:cSld>
     <p:bg>
@@ -15009,10 +15668,34 @@
                 <a:tableStyleId>{5C22544A-7EE6-4342-B048-85BDC9FD1C3A}</a:tableStyleId>
               </a:tblPr>
               <a:tblGrid>
-                <a:gridCol w="1259802"/>
-                <a:gridCol w="1436615"/>
-                <a:gridCol w="2055466"/>
-                <a:gridCol w="1989160"/>
+                <a:gridCol w="1259802">
+                  <a:extLst>
+                    <a:ext uri="{9D8B030D-6E8A-4147-A177-3AD203B41FA5}">
+                      <a16:colId xmlns:a16="http://schemas.microsoft.com/office/drawing/2014/main" val="20000"/>
+                    </a:ext>
+                  </a:extLst>
+                </a:gridCol>
+                <a:gridCol w="1436615">
+                  <a:extLst>
+                    <a:ext uri="{9D8B030D-6E8A-4147-A177-3AD203B41FA5}">
+                      <a16:colId xmlns:a16="http://schemas.microsoft.com/office/drawing/2014/main" val="20001"/>
+                    </a:ext>
+                  </a:extLst>
+                </a:gridCol>
+                <a:gridCol w="2055466">
+                  <a:extLst>
+                    <a:ext uri="{9D8B030D-6E8A-4147-A177-3AD203B41FA5}">
+                      <a16:colId xmlns:a16="http://schemas.microsoft.com/office/drawing/2014/main" val="20002"/>
+                    </a:ext>
+                  </a:extLst>
+                </a:gridCol>
+                <a:gridCol w="1989160">
+                  <a:extLst>
+                    <a:ext uri="{9D8B030D-6E8A-4147-A177-3AD203B41FA5}">
+                      <a16:colId xmlns:a16="http://schemas.microsoft.com/office/drawing/2014/main" val="20003"/>
+                    </a:ext>
+                  </a:extLst>
+                </a:gridCol>
               </a:tblGrid>
               <a:tr h="420621">
                 <a:tc>
@@ -15107,6 +15790,11 @@
                   </a:txBody>
                   <a:tcPr marL="0" marR="0" marT="0" marB="0" anchor="b"/>
                 </a:tc>
+                <a:extLst>
+                  <a:ext uri="{0D108BD9-81ED-4DB2-BD59-A6C34878D82A}">
+                    <a16:rowId xmlns:a16="http://schemas.microsoft.com/office/drawing/2014/main" val="10000"/>
+                  </a:ext>
+                </a:extLst>
               </a:tr>
               <a:tr h="420621">
                 <a:tc>
@@ -15201,6 +15889,11 @@
                   </a:txBody>
                   <a:tcPr marL="0" marR="0" marT="0" marB="0" anchor="b"/>
                 </a:tc>
+                <a:extLst>
+                  <a:ext uri="{0D108BD9-81ED-4DB2-BD59-A6C34878D82A}">
+                    <a16:rowId xmlns:a16="http://schemas.microsoft.com/office/drawing/2014/main" val="10001"/>
+                  </a:ext>
+                </a:extLst>
               </a:tr>
               <a:tr h="420621">
                 <a:tc>
@@ -15295,6 +15988,11 @@
                   </a:txBody>
                   <a:tcPr marL="0" marR="0" marT="0" marB="0" anchor="b"/>
                 </a:tc>
+                <a:extLst>
+                  <a:ext uri="{0D108BD9-81ED-4DB2-BD59-A6C34878D82A}">
+                    <a16:rowId xmlns:a16="http://schemas.microsoft.com/office/drawing/2014/main" val="10002"/>
+                  </a:ext>
+                </a:extLst>
               </a:tr>
               <a:tr h="420621">
                 <a:tc>
@@ -15389,6 +16087,11 @@
                   </a:txBody>
                   <a:tcPr marL="0" marR="0" marT="0" marB="0" anchor="b"/>
                 </a:tc>
+                <a:extLst>
+                  <a:ext uri="{0D108BD9-81ED-4DB2-BD59-A6C34878D82A}">
+                    <a16:rowId xmlns:a16="http://schemas.microsoft.com/office/drawing/2014/main" val="10003"/>
+                  </a:ext>
+                </a:extLst>
               </a:tr>
               <a:tr h="420621">
                 <a:tc>
@@ -15483,6 +16186,11 @@
                   </a:txBody>
                   <a:tcPr marL="0" marR="0" marT="0" marB="0" anchor="b"/>
                 </a:tc>
+                <a:extLst>
+                  <a:ext uri="{0D108BD9-81ED-4DB2-BD59-A6C34878D82A}">
+                    <a16:rowId xmlns:a16="http://schemas.microsoft.com/office/drawing/2014/main" val="10004"/>
+                  </a:ext>
+                </a:extLst>
               </a:tr>
             </a:tbl>
           </a:graphicData>
@@ -15732,151 +16440,6 @@
         <p:bldAsOne/>
       </p:bldGraphic>
     </p:bldLst>
-  </p:timing>
-</p:sld>
-</file>
-
-<file path=ppt/slides/slide9.xml><?xml version="1.0" encoding="utf-8"?>
-<p:sld xmlns:a="http://schemas.openxmlformats.org/drawingml/2006/main" xmlns:r="http://schemas.openxmlformats.org/officeDocument/2006/relationships" xmlns:p="http://schemas.openxmlformats.org/presentationml/2006/main">
-  <p:cSld>
-    <p:bg>
-      <p:bgPr>
-        <a:gradFill>
-          <a:gsLst>
-            <a:gs pos="0">
-              <a:schemeClr val="accent1">
-                <a:lumMod val="5000"/>
-                <a:lumOff val="95000"/>
-              </a:schemeClr>
-            </a:gs>
-            <a:gs pos="74000">
-              <a:schemeClr val="accent1">
-                <a:lumMod val="45000"/>
-                <a:lumOff val="55000"/>
-              </a:schemeClr>
-            </a:gs>
-            <a:gs pos="83000">
-              <a:schemeClr val="accent1">
-                <a:lumMod val="45000"/>
-                <a:lumOff val="55000"/>
-              </a:schemeClr>
-            </a:gs>
-            <a:gs pos="100000">
-              <a:schemeClr val="accent1">
-                <a:lumMod val="30000"/>
-                <a:lumOff val="70000"/>
-              </a:schemeClr>
-            </a:gs>
-          </a:gsLst>
-          <a:lin ang="5400000" scaled="1"/>
-        </a:gradFill>
-        <a:effectLst/>
-      </p:bgPr>
-    </p:bg>
-    <p:spTree>
-      <p:nvGrpSpPr>
-        <p:cNvPr id="1" name=""/>
-        <p:cNvGrpSpPr/>
-        <p:nvPr/>
-      </p:nvGrpSpPr>
-      <p:grpSpPr>
-        <a:xfrm>
-          <a:off x="0" y="0"/>
-          <a:ext cx="0" cy="0"/>
-          <a:chOff x="0" y="0"/>
-          <a:chExt cx="0" cy="0"/>
-        </a:xfrm>
-      </p:grpSpPr>
-      <p:pic>
-        <p:nvPicPr>
-          <p:cNvPr id="5" name="Picture 4"/>
-          <p:cNvPicPr>
-            <a:picLocks noChangeAspect="1"/>
-          </p:cNvPicPr>
-          <p:nvPr/>
-        </p:nvPicPr>
-        <p:blipFill>
-          <a:blip r:embed="rId2">
-            <a:extLst>
-              <a:ext uri="{BEBA8EAE-BF5A-486C-A8C5-ECC9F3942E4B}">
-                <a14:imgProps xmlns:a14="http://schemas.microsoft.com/office/drawing/2010/main">
-                  <a14:imgLayer r:embed="rId3">
-                    <a14:imgEffect>
-                      <a14:sharpenSoften amount="50000"/>
-                    </a14:imgEffect>
-                  </a14:imgLayer>
-                </a14:imgProps>
-              </a:ext>
-            </a:extLst>
-          </a:blip>
-          <a:stretch>
-            <a:fillRect/>
-          </a:stretch>
-        </p:blipFill>
-        <p:spPr>
-          <a:xfrm>
-            <a:off x="0" y="0"/>
-            <a:ext cx="2553136" cy="2466833"/>
-          </a:xfrm>
-          <a:prstGeom prst="rect">
-            <a:avLst/>
-          </a:prstGeom>
-          <a:effectLst>
-            <a:outerShdw dist="50800" sx="1000" sy="1000" algn="ctr" rotWithShape="0">
-              <a:srgbClr val="000000"/>
-            </a:outerShdw>
-            <a:reflection stA="45000" endPos="65000" dist="50800" dir="5400000" sy="-100000" algn="bl" rotWithShape="0"/>
-            <a:softEdge rad="63500"/>
-          </a:effectLst>
-        </p:spPr>
-      </p:pic>
-      <p:sp>
-        <p:nvSpPr>
-          <p:cNvPr id="7" name="Content Placeholder 6"/>
-          <p:cNvSpPr>
-            <a:spLocks noGrp="1"/>
-          </p:cNvSpPr>
-          <p:nvPr>
-            <p:ph idx="1"/>
-          </p:nvPr>
-        </p:nvSpPr>
-        <p:spPr/>
-        <p:txBody>
-          <a:bodyPr/>
-          <a:lstStyle/>
-          <a:p>
-            <a:endParaRPr lang="en-AU"/>
-          </a:p>
-        </p:txBody>
-      </p:sp>
-    </p:spTree>
-    <p:extLst>
-      <p:ext uri="{BB962C8B-B14F-4D97-AF65-F5344CB8AC3E}">
-        <p14:creationId xmlns:p14="http://schemas.microsoft.com/office/powerpoint/2010/main" val="1987965198"/>
-      </p:ext>
-    </p:extLst>
-  </p:cSld>
-  <p:clrMapOvr>
-    <a:masterClrMapping/>
-  </p:clrMapOvr>
-  <mc:AlternateContent xmlns:mc="http://schemas.openxmlformats.org/markup-compatibility/2006">
-    <mc:Choice xmlns:p14="http://schemas.microsoft.com/office/powerpoint/2010/main" Requires="p14">
-      <p:transition spd="slow" p14:dur="3000">
-        <p14:shred/>
-      </p:transition>
-    </mc:Choice>
-    <mc:Fallback>
-      <p:transition spd="slow">
-        <p:fade/>
-      </p:transition>
-    </mc:Fallback>
-  </mc:AlternateContent>
-  <p:timing>
-    <p:tnLst>
-      <p:par>
-        <p:cTn id="1" dur="indefinite" restart="never" nodeType="tmRoot"/>
-      </p:par>
-    </p:tnLst>
   </p:timing>
 </p:sld>
 </file>
